--- a/设备.pptx
+++ b/设备.pptx
@@ -6,9 +6,19 @@
   </p:sldMasterIdLst>
   <p:sldIdLst>
     <p:sldId id="256" r:id="rId2"/>
-    <p:sldId id="257" r:id="rId3"/>
+    <p:sldId id="267" r:id="rId3"/>
     <p:sldId id="258" r:id="rId4"/>
-    <p:sldId id="259" r:id="rId5"/>
+    <p:sldId id="257" r:id="rId5"/>
+    <p:sldId id="260" r:id="rId6"/>
+    <p:sldId id="259" r:id="rId7"/>
+    <p:sldId id="261" r:id="rId8"/>
+    <p:sldId id="262" r:id="rId9"/>
+    <p:sldId id="263" r:id="rId10"/>
+    <p:sldId id="264" r:id="rId11"/>
+    <p:sldId id="265" r:id="rId12"/>
+    <p:sldId id="266" r:id="rId13"/>
+    <p:sldId id="268" r:id="rId14"/>
+    <p:sldId id="269" r:id="rId15"/>
   </p:sldIdLst>
   <p:sldSz cx="12192000" cy="6858000"/>
   <p:notesSz cx="6858000" cy="9144000"/>
@@ -107,6 +117,11 @@
       </a:defRPr>
     </a:lvl9pPr>
   </p:defaultTextStyle>
+  <p:extLst>
+    <p:ext uri="{EFAFB233-063F-42B5-8137-9DF3F51BA10A}">
+      <p15:sldGuideLst xmlns:p15="http://schemas.microsoft.com/office/powerpoint/2012/main"/>
+    </p:ext>
+  </p:extLst>
 </p:presentation>
 </file>
 
@@ -241,7 +256,7 @@
           <a:p>
             <a:fld id="{2FB980F9-D67C-45AE-A1F9-5B34263096C7}" type="datetimeFigureOut">
               <a:rPr lang="zh-CN" altLang="en-US" smtClean="0"/>
-              <a:t>2017/5/18</a:t>
+              <a:t>2017/5/24</a:t>
             </a:fld>
             <a:endParaRPr lang="zh-CN" altLang="en-US"/>
           </a:p>
@@ -411,7 +426,7 @@
           <a:p>
             <a:fld id="{2FB980F9-D67C-45AE-A1F9-5B34263096C7}" type="datetimeFigureOut">
               <a:rPr lang="zh-CN" altLang="en-US" smtClean="0"/>
-              <a:t>2017/5/18</a:t>
+              <a:t>2017/5/24</a:t>
             </a:fld>
             <a:endParaRPr lang="zh-CN" altLang="en-US"/>
           </a:p>
@@ -591,7 +606,7 @@
           <a:p>
             <a:fld id="{2FB980F9-D67C-45AE-A1F9-5B34263096C7}" type="datetimeFigureOut">
               <a:rPr lang="zh-CN" altLang="en-US" smtClean="0"/>
-              <a:t>2017/5/18</a:t>
+              <a:t>2017/5/24</a:t>
             </a:fld>
             <a:endParaRPr lang="zh-CN" altLang="en-US"/>
           </a:p>
@@ -761,7 +776,7 @@
           <a:p>
             <a:fld id="{2FB980F9-D67C-45AE-A1F9-5B34263096C7}" type="datetimeFigureOut">
               <a:rPr lang="zh-CN" altLang="en-US" smtClean="0"/>
-              <a:t>2017/5/18</a:t>
+              <a:t>2017/5/24</a:t>
             </a:fld>
             <a:endParaRPr lang="zh-CN" altLang="en-US"/>
           </a:p>
@@ -1007,7 +1022,7 @@
           <a:p>
             <a:fld id="{2FB980F9-D67C-45AE-A1F9-5B34263096C7}" type="datetimeFigureOut">
               <a:rPr lang="zh-CN" altLang="en-US" smtClean="0"/>
-              <a:t>2017/5/18</a:t>
+              <a:t>2017/5/24</a:t>
             </a:fld>
             <a:endParaRPr lang="zh-CN" altLang="en-US"/>
           </a:p>
@@ -1239,7 +1254,7 @@
           <a:p>
             <a:fld id="{2FB980F9-D67C-45AE-A1F9-5B34263096C7}" type="datetimeFigureOut">
               <a:rPr lang="zh-CN" altLang="en-US" smtClean="0"/>
-              <a:t>2017/5/18</a:t>
+              <a:t>2017/5/24</a:t>
             </a:fld>
             <a:endParaRPr lang="zh-CN" altLang="en-US"/>
           </a:p>
@@ -1606,7 +1621,7 @@
           <a:p>
             <a:fld id="{2FB980F9-D67C-45AE-A1F9-5B34263096C7}" type="datetimeFigureOut">
               <a:rPr lang="zh-CN" altLang="en-US" smtClean="0"/>
-              <a:t>2017/5/18</a:t>
+              <a:t>2017/5/24</a:t>
             </a:fld>
             <a:endParaRPr lang="zh-CN" altLang="en-US"/>
           </a:p>
@@ -1724,7 +1739,7 @@
           <a:p>
             <a:fld id="{2FB980F9-D67C-45AE-A1F9-5B34263096C7}" type="datetimeFigureOut">
               <a:rPr lang="zh-CN" altLang="en-US" smtClean="0"/>
-              <a:t>2017/5/18</a:t>
+              <a:t>2017/5/24</a:t>
             </a:fld>
             <a:endParaRPr lang="zh-CN" altLang="en-US"/>
           </a:p>
@@ -1819,7 +1834,7 @@
           <a:p>
             <a:fld id="{2FB980F9-D67C-45AE-A1F9-5B34263096C7}" type="datetimeFigureOut">
               <a:rPr lang="zh-CN" altLang="en-US" smtClean="0"/>
-              <a:t>2017/5/18</a:t>
+              <a:t>2017/5/24</a:t>
             </a:fld>
             <a:endParaRPr lang="zh-CN" altLang="en-US"/>
           </a:p>
@@ -2096,7 +2111,7 @@
           <a:p>
             <a:fld id="{2FB980F9-D67C-45AE-A1F9-5B34263096C7}" type="datetimeFigureOut">
               <a:rPr lang="zh-CN" altLang="en-US" smtClean="0"/>
-              <a:t>2017/5/18</a:t>
+              <a:t>2017/5/24</a:t>
             </a:fld>
             <a:endParaRPr lang="zh-CN" altLang="en-US"/>
           </a:p>
@@ -2349,7 +2364,7 @@
           <a:p>
             <a:fld id="{2FB980F9-D67C-45AE-A1F9-5B34263096C7}" type="datetimeFigureOut">
               <a:rPr lang="zh-CN" altLang="en-US" smtClean="0"/>
-              <a:t>2017/5/18</a:t>
+              <a:t>2017/5/24</a:t>
             </a:fld>
             <a:endParaRPr lang="zh-CN" altLang="en-US"/>
           </a:p>
@@ -2562,7 +2577,7 @@
           <a:p>
             <a:fld id="{2FB980F9-D67C-45AE-A1F9-5B34263096C7}" type="datetimeFigureOut">
               <a:rPr lang="zh-CN" altLang="en-US" smtClean="0"/>
-              <a:t>2017/5/18</a:t>
+              <a:t>2017/5/24</a:t>
             </a:fld>
             <a:endParaRPr lang="zh-CN" altLang="en-US"/>
           </a:p>
@@ -2967,6 +2982,1281 @@
           <a:chExt cx="0" cy="0"/>
         </a:xfrm>
       </p:grpSpPr>
+      <p:sp>
+        <p:nvSpPr>
+          <p:cNvPr id="3" name="文本框 2"/>
+          <p:cNvSpPr txBox="1"/>
+          <p:nvPr/>
+        </p:nvSpPr>
+        <p:spPr>
+          <a:xfrm>
+            <a:off x="4744272" y="305572"/>
+            <a:ext cx="3920047" cy="584775"/>
+          </a:xfrm>
+          <a:prstGeom prst="rect">
+            <a:avLst/>
+          </a:prstGeom>
+          <a:noFill/>
+        </p:spPr>
+        <p:txBody>
+          <a:bodyPr wrap="none" rtlCol="0">
+            <a:spAutoFit/>
+          </a:bodyPr>
+          <a:lstStyle/>
+          <a:p>
+            <a:r>
+              <a:rPr lang="zh-CN" altLang="en-US" sz="3200" dirty="0"/>
+              <a:t>罗</a:t>
+            </a:r>
+            <a:r>
+              <a:rPr lang="zh-CN" altLang="en-US" sz="3200" dirty="0" smtClean="0"/>
+              <a:t>技 </a:t>
+            </a:r>
+            <a:r>
+              <a:rPr lang="en-US" altLang="zh-CN" sz="3200" dirty="0" smtClean="0"/>
+              <a:t>Logitech  </a:t>
+            </a:r>
+            <a:r>
+              <a:rPr lang="zh-CN" altLang="en-US" sz="3200" dirty="0" smtClean="0"/>
+              <a:t>摄像头</a:t>
+            </a:r>
+            <a:endParaRPr lang="zh-CN" altLang="en-US" sz="3200" dirty="0"/>
+          </a:p>
+        </p:txBody>
+      </p:sp>
+      <p:pic>
+        <p:nvPicPr>
+          <p:cNvPr id="5" name="图片 4"/>
+          <p:cNvPicPr>
+            <a:picLocks noChangeAspect="1"/>
+          </p:cNvPicPr>
+          <p:nvPr/>
+        </p:nvPicPr>
+        <p:blipFill>
+          <a:blip r:embed="rId2" cstate="print">
+            <a:extLst>
+              <a:ext uri="{28A0092B-C50C-407E-A947-70E740481C1C}">
+                <a14:useLocalDpi xmlns:a14="http://schemas.microsoft.com/office/drawing/2010/main" val="0"/>
+              </a:ext>
+            </a:extLst>
+          </a:blip>
+          <a:stretch>
+            <a:fillRect/>
+          </a:stretch>
+        </p:blipFill>
+        <p:spPr>
+          <a:xfrm>
+            <a:off x="4588623" y="1672080"/>
+            <a:ext cx="4231343" cy="3173507"/>
+          </a:xfrm>
+          <a:prstGeom prst="rect">
+            <a:avLst/>
+          </a:prstGeom>
+        </p:spPr>
+      </p:pic>
+    </p:spTree>
+    <p:extLst>
+      <p:ext uri="{BB962C8B-B14F-4D97-AF65-F5344CB8AC3E}">
+        <p14:creationId xmlns:p14="http://schemas.microsoft.com/office/powerpoint/2010/main" val="1195918091"/>
+      </p:ext>
+    </p:extLst>
+  </p:cSld>
+  <p:clrMapOvr>
+    <a:masterClrMapping/>
+  </p:clrMapOvr>
+  <p:timing>
+    <p:tnLst>
+      <p:par>
+        <p:cTn id="1" dur="indefinite" restart="never" nodeType="tmRoot"/>
+      </p:par>
+    </p:tnLst>
+  </p:timing>
+</p:sld>
+</file>
+
+<file path=ppt/slides/slide10.xml><?xml version="1.0" encoding="utf-8"?>
+<p:sld xmlns:a="http://schemas.openxmlformats.org/drawingml/2006/main" xmlns:r="http://schemas.openxmlformats.org/officeDocument/2006/relationships" xmlns:p="http://schemas.openxmlformats.org/presentationml/2006/main">
+  <p:cSld>
+    <p:spTree>
+      <p:nvGrpSpPr>
+        <p:cNvPr id="1" name=""/>
+        <p:cNvGrpSpPr/>
+        <p:nvPr/>
+      </p:nvGrpSpPr>
+      <p:grpSpPr>
+        <a:xfrm>
+          <a:off x="0" y="0"/>
+          <a:ext cx="0" cy="0"/>
+          <a:chOff x="0" y="0"/>
+          <a:chExt cx="0" cy="0"/>
+        </a:xfrm>
+      </p:grpSpPr>
+      <p:sp>
+        <p:nvSpPr>
+          <p:cNvPr id="4" name="文本框 3"/>
+          <p:cNvSpPr txBox="1"/>
+          <p:nvPr/>
+        </p:nvSpPr>
+        <p:spPr>
+          <a:xfrm>
+            <a:off x="4921134" y="133004"/>
+            <a:ext cx="2236510" cy="584775"/>
+          </a:xfrm>
+          <a:prstGeom prst="rect">
+            <a:avLst/>
+          </a:prstGeom>
+          <a:noFill/>
+        </p:spPr>
+        <p:txBody>
+          <a:bodyPr wrap="none" rtlCol="0">
+            <a:spAutoFit/>
+          </a:bodyPr>
+          <a:lstStyle/>
+          <a:p>
+            <a:r>
+              <a:rPr lang="zh-CN" altLang="en-US" sz="3200" dirty="0" smtClean="0"/>
+              <a:t>蓝牙适配器</a:t>
+            </a:r>
+            <a:endParaRPr lang="zh-CN" altLang="en-US" sz="3200" dirty="0"/>
+          </a:p>
+        </p:txBody>
+      </p:sp>
+      <p:graphicFrame>
+        <p:nvGraphicFramePr>
+          <p:cNvPr id="5" name="表格 4"/>
+          <p:cNvGraphicFramePr>
+            <a:graphicFrameLocks noGrp="1"/>
+          </p:cNvGraphicFramePr>
+          <p:nvPr>
+            <p:extLst>
+              <p:ext uri="{D42A27DB-BD31-4B8C-83A1-F6EECF244321}">
+                <p14:modId xmlns:p14="http://schemas.microsoft.com/office/powerpoint/2010/main" val="3310819960"/>
+              </p:ext>
+            </p:extLst>
+          </p:nvPr>
+        </p:nvGraphicFramePr>
+        <p:xfrm>
+          <a:off x="1878675" y="1064034"/>
+          <a:ext cx="8863216" cy="4887108"/>
+        </p:xfrm>
+        <a:graphic>
+          <a:graphicData uri="http://schemas.openxmlformats.org/drawingml/2006/table">
+            <a:tbl>
+              <a:tblPr firstRow="1" bandRow="1">
+                <a:tableStyleId>{5C22544A-7EE6-4342-B048-85BDC9FD1C3A}</a:tableStyleId>
+              </a:tblPr>
+              <a:tblGrid>
+                <a:gridCol w="4431608"/>
+                <a:gridCol w="4431608"/>
+              </a:tblGrid>
+              <a:tr h="407259">
+                <a:tc>
+                  <a:txBody>
+                    <a:bodyPr/>
+                    <a:lstStyle/>
+                    <a:p>
+                      <a:r>
+                        <a:rPr lang="zh-CN" altLang="en-US" dirty="0" smtClean="0"/>
+                        <a:t>项目</a:t>
+                      </a:r>
+                      <a:endParaRPr lang="zh-CN" altLang="en-US" dirty="0"/>
+                    </a:p>
+                  </a:txBody>
+                  <a:tcPr/>
+                </a:tc>
+                <a:tc>
+                  <a:txBody>
+                    <a:bodyPr/>
+                    <a:lstStyle/>
+                    <a:p>
+                      <a:r>
+                        <a:rPr lang="zh-CN" altLang="en-US" dirty="0" smtClean="0"/>
+                        <a:t>说明</a:t>
+                      </a:r>
+                      <a:endParaRPr lang="zh-CN" altLang="en-US" dirty="0"/>
+                    </a:p>
+                  </a:txBody>
+                  <a:tcPr/>
+                </a:tc>
+              </a:tr>
+              <a:tr h="407259">
+                <a:tc>
+                  <a:txBody>
+                    <a:bodyPr/>
+                    <a:lstStyle/>
+                    <a:p>
+                      <a:r>
+                        <a:rPr lang="zh-CN" altLang="en-US" dirty="0" smtClean="0"/>
+                        <a:t>产品型号</a:t>
+                      </a:r>
+                      <a:endParaRPr lang="zh-CN" altLang="en-US" dirty="0"/>
+                    </a:p>
+                  </a:txBody>
+                  <a:tcPr/>
+                </a:tc>
+                <a:tc>
+                  <a:txBody>
+                    <a:bodyPr/>
+                    <a:lstStyle/>
+                    <a:p>
+                      <a:r>
+                        <a:rPr lang="en-US" altLang="zh-CN" dirty="0" smtClean="0"/>
+                        <a:t>CSR4.0-06H</a:t>
+                      </a:r>
+                      <a:endParaRPr lang="zh-CN" altLang="en-US" dirty="0"/>
+                    </a:p>
+                  </a:txBody>
+                  <a:tcPr/>
+                </a:tc>
+              </a:tr>
+              <a:tr h="407259">
+                <a:tc>
+                  <a:txBody>
+                    <a:bodyPr/>
+                    <a:lstStyle/>
+                    <a:p>
+                      <a:r>
+                        <a:rPr lang="zh-CN" altLang="en-US" dirty="0" smtClean="0"/>
+                        <a:t>产品尺寸</a:t>
+                      </a:r>
+                      <a:endParaRPr lang="zh-CN" altLang="en-US" dirty="0"/>
+                    </a:p>
+                  </a:txBody>
+                  <a:tcPr/>
+                </a:tc>
+                <a:tc>
+                  <a:txBody>
+                    <a:bodyPr/>
+                    <a:lstStyle/>
+                    <a:p>
+                      <a:r>
+                        <a:rPr lang="en-US" altLang="zh-CN" dirty="0" smtClean="0"/>
+                        <a:t>26</a:t>
+                      </a:r>
+                      <a:r>
+                        <a:rPr lang="en-US" altLang="zh-CN" baseline="0" dirty="0" smtClean="0"/>
+                        <a:t> × 15× 7(mm)</a:t>
+                      </a:r>
+                      <a:endParaRPr lang="zh-CN" altLang="en-US" dirty="0"/>
+                    </a:p>
+                  </a:txBody>
+                  <a:tcPr/>
+                </a:tc>
+              </a:tr>
+              <a:tr h="407259">
+                <a:tc>
+                  <a:txBody>
+                    <a:bodyPr/>
+                    <a:lstStyle/>
+                    <a:p>
+                      <a:r>
+                        <a:rPr lang="zh-CN" altLang="en-US" dirty="0" smtClean="0"/>
+                        <a:t>产品重量</a:t>
+                      </a:r>
+                      <a:endParaRPr lang="zh-CN" altLang="en-US" dirty="0"/>
+                    </a:p>
+                  </a:txBody>
+                  <a:tcPr/>
+                </a:tc>
+                <a:tc>
+                  <a:txBody>
+                    <a:bodyPr/>
+                    <a:lstStyle/>
+                    <a:p>
+                      <a:r>
+                        <a:rPr lang="en-US" altLang="zh-CN" dirty="0" smtClean="0"/>
+                        <a:t>3g</a:t>
+                      </a:r>
+                      <a:endParaRPr lang="zh-CN" altLang="en-US" dirty="0"/>
+                    </a:p>
+                  </a:txBody>
+                  <a:tcPr/>
+                </a:tc>
+              </a:tr>
+              <a:tr h="407259">
+                <a:tc>
+                  <a:txBody>
+                    <a:bodyPr/>
+                    <a:lstStyle/>
+                    <a:p>
+                      <a:r>
+                        <a:rPr lang="zh-CN" altLang="en-US" dirty="0" smtClean="0"/>
+                        <a:t>灵敏度</a:t>
+                      </a:r>
+                      <a:endParaRPr lang="zh-CN" altLang="en-US" dirty="0"/>
+                    </a:p>
+                  </a:txBody>
+                  <a:tcPr/>
+                </a:tc>
+                <a:tc>
+                  <a:txBody>
+                    <a:bodyPr/>
+                    <a:lstStyle/>
+                    <a:p>
+                      <a:r>
+                        <a:rPr lang="en-US" altLang="zh-CN" dirty="0" smtClean="0"/>
+                        <a:t>-86dBm@0.1%</a:t>
+                      </a:r>
+                      <a:endParaRPr lang="zh-CN" altLang="en-US" dirty="0"/>
+                    </a:p>
+                  </a:txBody>
+                  <a:tcPr/>
+                </a:tc>
+              </a:tr>
+              <a:tr h="407259">
+                <a:tc>
+                  <a:txBody>
+                    <a:bodyPr/>
+                    <a:lstStyle/>
+                    <a:p>
+                      <a:r>
+                        <a:rPr lang="en-US" altLang="zh-CN" dirty="0" smtClean="0"/>
+                        <a:t>PR</a:t>
+                      </a:r>
+                      <a:r>
+                        <a:rPr lang="zh-CN" altLang="en-US" dirty="0" smtClean="0"/>
+                        <a:t>发射功率</a:t>
+                      </a:r>
+                      <a:endParaRPr lang="zh-CN" altLang="en-US" dirty="0"/>
+                    </a:p>
+                  </a:txBody>
+                  <a:tcPr/>
+                </a:tc>
+                <a:tc>
+                  <a:txBody>
+                    <a:bodyPr/>
+                    <a:lstStyle/>
+                    <a:p>
+                      <a:r>
+                        <a:rPr lang="en-US" altLang="zh-CN" dirty="0" smtClean="0"/>
+                        <a:t>+6dBm(Ⅱ</a:t>
+                      </a:r>
+                      <a:r>
+                        <a:rPr lang="zh-CN" altLang="en-US" dirty="0" smtClean="0"/>
+                        <a:t>类</a:t>
+                      </a:r>
+                      <a:r>
+                        <a:rPr lang="en-US" altLang="zh-CN" dirty="0" smtClean="0"/>
+                        <a:t>)</a:t>
+                      </a:r>
+                      <a:endParaRPr lang="zh-CN" altLang="en-US" dirty="0"/>
+                    </a:p>
+                  </a:txBody>
+                  <a:tcPr/>
+                </a:tc>
+              </a:tr>
+              <a:tr h="407259">
+                <a:tc>
+                  <a:txBody>
+                    <a:bodyPr/>
+                    <a:lstStyle/>
+                    <a:p>
+                      <a:r>
+                        <a:rPr lang="zh-CN" altLang="en-US" dirty="0" smtClean="0"/>
+                        <a:t>产品芯片</a:t>
+                      </a:r>
+                      <a:endParaRPr lang="zh-CN" altLang="en-US" dirty="0"/>
+                    </a:p>
+                  </a:txBody>
+                  <a:tcPr/>
+                </a:tc>
+                <a:tc>
+                  <a:txBody>
+                    <a:bodyPr/>
+                    <a:lstStyle/>
+                    <a:p>
+                      <a:r>
+                        <a:rPr lang="en-US" altLang="zh-CN" dirty="0" smtClean="0"/>
+                        <a:t>CSR8510</a:t>
+                      </a:r>
+                      <a:endParaRPr lang="zh-CN" altLang="en-US" dirty="0"/>
+                    </a:p>
+                  </a:txBody>
+                  <a:tcPr/>
+                </a:tc>
+              </a:tr>
+              <a:tr h="407259">
+                <a:tc>
+                  <a:txBody>
+                    <a:bodyPr/>
+                    <a:lstStyle/>
+                    <a:p>
+                      <a:r>
+                        <a:rPr lang="zh-CN" altLang="en-US" dirty="0" smtClean="0"/>
+                        <a:t>传输速率</a:t>
+                      </a:r>
+                      <a:endParaRPr lang="zh-CN" altLang="en-US" dirty="0"/>
+                    </a:p>
+                  </a:txBody>
+                  <a:tcPr/>
+                </a:tc>
+                <a:tc>
+                  <a:txBody>
+                    <a:bodyPr/>
+                    <a:lstStyle/>
+                    <a:p>
+                      <a:r>
+                        <a:rPr lang="en-US" altLang="zh-CN" dirty="0" smtClean="0"/>
+                        <a:t>3Mbps</a:t>
+                      </a:r>
+                      <a:endParaRPr lang="zh-CN" altLang="en-US" dirty="0"/>
+                    </a:p>
+                  </a:txBody>
+                  <a:tcPr/>
+                </a:tc>
+              </a:tr>
+              <a:tr h="407259">
+                <a:tc>
+                  <a:txBody>
+                    <a:bodyPr/>
+                    <a:lstStyle/>
+                    <a:p>
+                      <a:r>
+                        <a:rPr lang="zh-CN" altLang="en-US" dirty="0" smtClean="0"/>
+                        <a:t>传输距离</a:t>
+                      </a:r>
+                      <a:endParaRPr lang="zh-CN" altLang="en-US" dirty="0"/>
+                    </a:p>
+                  </a:txBody>
+                  <a:tcPr/>
+                </a:tc>
+                <a:tc>
+                  <a:txBody>
+                    <a:bodyPr/>
+                    <a:lstStyle/>
+                    <a:p>
+                      <a:r>
+                        <a:rPr lang="en-US" altLang="zh-CN" dirty="0" smtClean="0"/>
+                        <a:t>20m</a:t>
+                      </a:r>
+                      <a:endParaRPr lang="zh-CN" altLang="en-US" dirty="0"/>
+                    </a:p>
+                  </a:txBody>
+                  <a:tcPr/>
+                </a:tc>
+              </a:tr>
+              <a:tr h="407259">
+                <a:tc>
+                  <a:txBody>
+                    <a:bodyPr/>
+                    <a:lstStyle/>
+                    <a:p>
+                      <a:r>
+                        <a:rPr lang="zh-CN" altLang="en-US" dirty="0" smtClean="0"/>
+                        <a:t>产品接口</a:t>
+                      </a:r>
+                      <a:endParaRPr lang="zh-CN" altLang="en-US" dirty="0"/>
+                    </a:p>
+                  </a:txBody>
+                  <a:tcPr/>
+                </a:tc>
+                <a:tc>
+                  <a:txBody>
+                    <a:bodyPr/>
+                    <a:lstStyle/>
+                    <a:p>
+                      <a:r>
+                        <a:rPr lang="en-US" altLang="zh-CN" dirty="0" smtClean="0"/>
+                        <a:t>USB2.0</a:t>
+                      </a:r>
+                      <a:endParaRPr lang="zh-CN" altLang="en-US" dirty="0"/>
+                    </a:p>
+                  </a:txBody>
+                  <a:tcPr/>
+                </a:tc>
+              </a:tr>
+              <a:tr h="407259">
+                <a:tc>
+                  <a:txBody>
+                    <a:bodyPr/>
+                    <a:lstStyle/>
+                    <a:p>
+                      <a:r>
+                        <a:rPr lang="zh-CN" altLang="en-US" dirty="0" smtClean="0"/>
+                        <a:t>驱动软件</a:t>
+                      </a:r>
+                      <a:endParaRPr lang="zh-CN" altLang="en-US" dirty="0"/>
+                    </a:p>
+                  </a:txBody>
+                  <a:tcPr/>
+                </a:tc>
+                <a:tc>
+                  <a:txBody>
+                    <a:bodyPr/>
+                    <a:lstStyle/>
+                    <a:p>
+                      <a:r>
+                        <a:rPr lang="en-US" altLang="zh-CN" dirty="0" smtClean="0"/>
+                        <a:t>CSR Harmony </a:t>
+                      </a:r>
+                      <a:r>
+                        <a:rPr lang="en-US" altLang="zh-CN" dirty="0" err="1" smtClean="0"/>
+                        <a:t>Wrieless</a:t>
+                      </a:r>
+                      <a:r>
+                        <a:rPr lang="en-US" altLang="zh-CN" dirty="0" smtClean="0"/>
+                        <a:t> Software Stack</a:t>
+                      </a:r>
+                      <a:endParaRPr lang="zh-CN" altLang="en-US" dirty="0"/>
+                    </a:p>
+                  </a:txBody>
+                  <a:tcPr/>
+                </a:tc>
+              </a:tr>
+              <a:tr h="407259">
+                <a:tc>
+                  <a:txBody>
+                    <a:bodyPr/>
+                    <a:lstStyle/>
+                    <a:p>
+                      <a:r>
+                        <a:rPr lang="zh-CN" altLang="en-US" dirty="0" smtClean="0"/>
+                        <a:t>支持系统</a:t>
+                      </a:r>
+                      <a:endParaRPr lang="zh-CN" altLang="en-US" dirty="0"/>
+                    </a:p>
+                  </a:txBody>
+                  <a:tcPr/>
+                </a:tc>
+                <a:tc>
+                  <a:txBody>
+                    <a:bodyPr/>
+                    <a:lstStyle/>
+                    <a:p>
+                      <a:r>
+                        <a:rPr lang="en-US" altLang="zh-CN" dirty="0" smtClean="0"/>
+                        <a:t>Windows</a:t>
+                      </a:r>
+                      <a:r>
+                        <a:rPr lang="en-US" altLang="zh-CN" baseline="0" dirty="0" smtClean="0"/>
+                        <a:t> XP/Vista/7/8</a:t>
+                      </a:r>
+                      <a:endParaRPr lang="zh-CN" altLang="en-US" dirty="0"/>
+                    </a:p>
+                  </a:txBody>
+                  <a:tcPr/>
+                </a:tc>
+              </a:tr>
+            </a:tbl>
+          </a:graphicData>
+        </a:graphic>
+      </p:graphicFrame>
+    </p:spTree>
+    <p:extLst>
+      <p:ext uri="{BB962C8B-B14F-4D97-AF65-F5344CB8AC3E}">
+        <p14:creationId xmlns:p14="http://schemas.microsoft.com/office/powerpoint/2010/main" val="1025937660"/>
+      </p:ext>
+    </p:extLst>
+  </p:cSld>
+  <p:clrMapOvr>
+    <a:masterClrMapping/>
+  </p:clrMapOvr>
+  <p:timing>
+    <p:tnLst>
+      <p:par>
+        <p:cTn id="1" dur="indefinite" restart="never" nodeType="tmRoot"/>
+      </p:par>
+    </p:tnLst>
+  </p:timing>
+</p:sld>
+</file>
+
+<file path=ppt/slides/slide11.xml><?xml version="1.0" encoding="utf-8"?>
+<p:sld xmlns:a="http://schemas.openxmlformats.org/drawingml/2006/main" xmlns:r="http://schemas.openxmlformats.org/officeDocument/2006/relationships" xmlns:p="http://schemas.openxmlformats.org/presentationml/2006/main">
+  <p:cSld>
+    <p:spTree>
+      <p:nvGrpSpPr>
+        <p:cNvPr id="1" name=""/>
+        <p:cNvGrpSpPr/>
+        <p:nvPr/>
+      </p:nvGrpSpPr>
+      <p:grpSpPr>
+        <a:xfrm>
+          <a:off x="0" y="0"/>
+          <a:ext cx="0" cy="0"/>
+          <a:chOff x="0" y="0"/>
+          <a:chExt cx="0" cy="0"/>
+        </a:xfrm>
+      </p:grpSpPr>
+      <p:sp>
+        <p:nvSpPr>
+          <p:cNvPr id="4" name="文本框 3"/>
+          <p:cNvSpPr txBox="1"/>
+          <p:nvPr/>
+        </p:nvSpPr>
+        <p:spPr>
+          <a:xfrm>
+            <a:off x="5602778" y="0"/>
+            <a:ext cx="1564083" cy="584775"/>
+          </a:xfrm>
+          <a:prstGeom prst="rect">
+            <a:avLst/>
+          </a:prstGeom>
+          <a:noFill/>
+        </p:spPr>
+        <p:txBody>
+          <a:bodyPr wrap="none" rtlCol="0">
+            <a:spAutoFit/>
+          </a:bodyPr>
+          <a:lstStyle/>
+          <a:p>
+            <a:r>
+              <a:rPr lang="en-US" altLang="zh-CN" sz="3200" dirty="0" smtClean="0"/>
+              <a:t>USB-TTL</a:t>
+            </a:r>
+            <a:endParaRPr lang="zh-CN" altLang="en-US" sz="3200" dirty="0"/>
+          </a:p>
+        </p:txBody>
+      </p:sp>
+      <p:pic>
+        <p:nvPicPr>
+          <p:cNvPr id="5" name="图片 4"/>
+          <p:cNvPicPr>
+            <a:picLocks noChangeAspect="1"/>
+          </p:cNvPicPr>
+          <p:nvPr/>
+        </p:nvPicPr>
+        <p:blipFill>
+          <a:blip r:embed="rId2">
+            <a:extLst>
+              <a:ext uri="{28A0092B-C50C-407E-A947-70E740481C1C}">
+                <a14:useLocalDpi xmlns:a14="http://schemas.microsoft.com/office/drawing/2010/main" val="0"/>
+              </a:ext>
+            </a:extLst>
+          </a:blip>
+          <a:stretch>
+            <a:fillRect/>
+          </a:stretch>
+        </p:blipFill>
+        <p:spPr>
+          <a:xfrm>
+            <a:off x="4181302" y="1800744"/>
+            <a:ext cx="4920214" cy="2372246"/>
+          </a:xfrm>
+          <a:prstGeom prst="rect">
+            <a:avLst/>
+          </a:prstGeom>
+        </p:spPr>
+      </p:pic>
+    </p:spTree>
+    <p:extLst>
+      <p:ext uri="{BB962C8B-B14F-4D97-AF65-F5344CB8AC3E}">
+        <p14:creationId xmlns:p14="http://schemas.microsoft.com/office/powerpoint/2010/main" val="2929189097"/>
+      </p:ext>
+    </p:extLst>
+  </p:cSld>
+  <p:clrMapOvr>
+    <a:masterClrMapping/>
+  </p:clrMapOvr>
+  <p:timing>
+    <p:tnLst>
+      <p:par>
+        <p:cTn id="1" dur="indefinite" restart="never" nodeType="tmRoot"/>
+      </p:par>
+    </p:tnLst>
+  </p:timing>
+</p:sld>
+</file>
+
+<file path=ppt/slides/slide12.xml><?xml version="1.0" encoding="utf-8"?>
+<p:sld xmlns:a="http://schemas.openxmlformats.org/drawingml/2006/main" xmlns:r="http://schemas.openxmlformats.org/officeDocument/2006/relationships" xmlns:p="http://schemas.openxmlformats.org/presentationml/2006/main">
+  <p:cSld>
+    <p:spTree>
+      <p:nvGrpSpPr>
+        <p:cNvPr id="1" name=""/>
+        <p:cNvGrpSpPr/>
+        <p:nvPr/>
+      </p:nvGrpSpPr>
+      <p:grpSpPr>
+        <a:xfrm>
+          <a:off x="0" y="0"/>
+          <a:ext cx="0" cy="0"/>
+          <a:chOff x="0" y="0"/>
+          <a:chExt cx="0" cy="0"/>
+        </a:xfrm>
+      </p:grpSpPr>
+      <p:sp>
+        <p:nvSpPr>
+          <p:cNvPr id="4" name="文本框 3"/>
+          <p:cNvSpPr txBox="1"/>
+          <p:nvPr/>
+        </p:nvSpPr>
+        <p:spPr>
+          <a:xfrm>
+            <a:off x="5403273" y="0"/>
+            <a:ext cx="1564083" cy="584775"/>
+          </a:xfrm>
+          <a:prstGeom prst="rect">
+            <a:avLst/>
+          </a:prstGeom>
+          <a:noFill/>
+        </p:spPr>
+        <p:txBody>
+          <a:bodyPr wrap="none" rtlCol="0">
+            <a:spAutoFit/>
+          </a:bodyPr>
+          <a:lstStyle/>
+          <a:p>
+            <a:r>
+              <a:rPr lang="en-US" altLang="zh-CN" sz="3200" dirty="0" smtClean="0"/>
+              <a:t>USB-TTL</a:t>
+            </a:r>
+            <a:endParaRPr lang="zh-CN" altLang="en-US" sz="3200" dirty="0"/>
+          </a:p>
+        </p:txBody>
+      </p:sp>
+      <p:graphicFrame>
+        <p:nvGraphicFramePr>
+          <p:cNvPr id="5" name="表格 4"/>
+          <p:cNvGraphicFramePr>
+            <a:graphicFrameLocks noGrp="1"/>
+          </p:cNvGraphicFramePr>
+          <p:nvPr>
+            <p:extLst>
+              <p:ext uri="{D42A27DB-BD31-4B8C-83A1-F6EECF244321}">
+                <p14:modId xmlns:p14="http://schemas.microsoft.com/office/powerpoint/2010/main" val="3751235083"/>
+              </p:ext>
+            </p:extLst>
+          </p:nvPr>
+        </p:nvGraphicFramePr>
+        <p:xfrm>
+          <a:off x="2032000" y="719666"/>
+          <a:ext cx="8128000" cy="5582920"/>
+        </p:xfrm>
+        <a:graphic>
+          <a:graphicData uri="http://schemas.openxmlformats.org/drawingml/2006/table">
+            <a:tbl>
+              <a:tblPr firstRow="1" bandRow="1">
+                <a:tableStyleId>{5C22544A-7EE6-4342-B048-85BDC9FD1C3A}</a:tableStyleId>
+              </a:tblPr>
+              <a:tblGrid>
+                <a:gridCol w="2032000"/>
+                <a:gridCol w="2032000"/>
+                <a:gridCol w="2032000"/>
+                <a:gridCol w="2032000"/>
+              </a:tblGrid>
+              <a:tr h="370840">
+                <a:tc>
+                  <a:txBody>
+                    <a:bodyPr/>
+                    <a:lstStyle/>
+                    <a:p>
+                      <a:r>
+                        <a:rPr lang="zh-CN" altLang="en-US" dirty="0" smtClean="0"/>
+                        <a:t>项目</a:t>
+                      </a:r>
+                      <a:endParaRPr lang="zh-CN" altLang="en-US" dirty="0"/>
+                    </a:p>
+                  </a:txBody>
+                  <a:tcPr/>
+                </a:tc>
+                <a:tc>
+                  <a:txBody>
+                    <a:bodyPr/>
+                    <a:lstStyle/>
+                    <a:p>
+                      <a:r>
+                        <a:rPr lang="zh-CN" altLang="en-US" dirty="0" smtClean="0"/>
+                        <a:t>说明</a:t>
+                      </a:r>
+                      <a:endParaRPr lang="zh-CN" altLang="en-US" dirty="0"/>
+                    </a:p>
+                  </a:txBody>
+                  <a:tcPr/>
+                </a:tc>
+                <a:tc>
+                  <a:txBody>
+                    <a:bodyPr/>
+                    <a:lstStyle/>
+                    <a:p>
+                      <a:r>
+                        <a:rPr lang="zh-CN" altLang="en-US" dirty="0" smtClean="0"/>
+                        <a:t>项目</a:t>
+                      </a:r>
+                      <a:endParaRPr lang="zh-CN" altLang="en-US" dirty="0"/>
+                    </a:p>
+                  </a:txBody>
+                  <a:tcPr/>
+                </a:tc>
+                <a:tc>
+                  <a:txBody>
+                    <a:bodyPr/>
+                    <a:lstStyle/>
+                    <a:p>
+                      <a:r>
+                        <a:rPr lang="zh-CN" altLang="en-US" dirty="0" smtClean="0"/>
+                        <a:t>说明</a:t>
+                      </a:r>
+                      <a:endParaRPr lang="zh-CN" altLang="en-US" dirty="0"/>
+                    </a:p>
+                  </a:txBody>
+                  <a:tcPr/>
+                </a:tc>
+              </a:tr>
+              <a:tr h="370840">
+                <a:tc>
+                  <a:txBody>
+                    <a:bodyPr/>
+                    <a:lstStyle/>
+                    <a:p>
+                      <a:r>
+                        <a:rPr lang="zh-CN" altLang="en-US" dirty="0" smtClean="0"/>
+                        <a:t>智能防烧</a:t>
+                      </a:r>
+                      <a:endParaRPr lang="zh-CN" altLang="en-US" dirty="0"/>
+                    </a:p>
+                  </a:txBody>
+                  <a:tcPr/>
+                </a:tc>
+                <a:tc>
+                  <a:txBody>
+                    <a:bodyPr/>
+                    <a:lstStyle/>
+                    <a:p>
+                      <a:r>
+                        <a:rPr lang="zh-CN" altLang="en-US" dirty="0" smtClean="0"/>
+                        <a:t>板载</a:t>
+                      </a:r>
+                      <a:r>
+                        <a:rPr lang="en-US" altLang="zh-CN" dirty="0" smtClean="0"/>
+                        <a:t>500mA</a:t>
+                      </a:r>
+                      <a:r>
+                        <a:rPr lang="zh-CN" altLang="en-US" dirty="0" smtClean="0"/>
+                        <a:t>自恢复，电流超过</a:t>
+                      </a:r>
+                      <a:r>
+                        <a:rPr lang="en-US" altLang="zh-CN" dirty="0" smtClean="0"/>
+                        <a:t>500mA</a:t>
+                      </a:r>
+                      <a:r>
+                        <a:rPr lang="zh-CN" altLang="en-US" dirty="0" smtClean="0"/>
+                        <a:t>自动断开，保护设备和</a:t>
+                      </a:r>
+                      <a:r>
+                        <a:rPr lang="en-US" altLang="zh-CN" dirty="0" smtClean="0"/>
+                        <a:t>USB</a:t>
+                      </a:r>
+                      <a:r>
+                        <a:rPr lang="zh-CN" altLang="en-US" dirty="0" smtClean="0"/>
+                        <a:t>端口</a:t>
+                      </a:r>
+                      <a:endParaRPr lang="zh-CN" altLang="en-US" dirty="0"/>
+                    </a:p>
+                  </a:txBody>
+                  <a:tcPr/>
+                </a:tc>
+                <a:tc>
+                  <a:txBody>
+                    <a:bodyPr/>
+                    <a:lstStyle/>
+                    <a:p>
+                      <a:r>
+                        <a:rPr lang="en-US" altLang="zh-CN" dirty="0" smtClean="0"/>
+                        <a:t>5V</a:t>
+                      </a:r>
+                      <a:r>
+                        <a:rPr lang="zh-CN" altLang="en-US" dirty="0" smtClean="0"/>
+                        <a:t>、</a:t>
+                      </a:r>
+                      <a:r>
+                        <a:rPr lang="en-US" altLang="zh-CN" dirty="0" smtClean="0"/>
+                        <a:t>3.3V</a:t>
+                      </a:r>
+                      <a:r>
+                        <a:rPr lang="zh-CN" altLang="en-US" dirty="0" smtClean="0"/>
+                        <a:t>全兼容</a:t>
+                      </a:r>
+                      <a:endParaRPr lang="zh-CN" altLang="en-US" dirty="0"/>
+                    </a:p>
+                  </a:txBody>
+                  <a:tcPr/>
+                </a:tc>
+                <a:tc>
+                  <a:txBody>
+                    <a:bodyPr/>
+                    <a:lstStyle/>
+                    <a:p>
+                      <a:r>
+                        <a:rPr lang="en-US" altLang="zh-CN" dirty="0" smtClean="0"/>
+                        <a:t>TTL</a:t>
+                      </a:r>
+                      <a:r>
+                        <a:rPr lang="zh-CN" altLang="en-US" dirty="0" smtClean="0"/>
+                        <a:t>电平兼容</a:t>
+                      </a:r>
+                      <a:r>
+                        <a:rPr lang="en-US" altLang="zh-CN" dirty="0" smtClean="0"/>
+                        <a:t>3.3v/5v</a:t>
+                      </a:r>
+                      <a:r>
+                        <a:rPr lang="zh-CN" altLang="en-US" dirty="0" smtClean="0"/>
+                        <a:t>电平标准，能够提供可靠通讯，自带</a:t>
+                      </a:r>
+                      <a:r>
+                        <a:rPr lang="en-US" altLang="zh-CN" dirty="0" smtClean="0"/>
+                        <a:t>3.3v</a:t>
+                      </a:r>
+                      <a:r>
+                        <a:rPr lang="zh-CN" altLang="en-US" dirty="0" smtClean="0"/>
+                        <a:t>和</a:t>
+                      </a:r>
+                      <a:r>
+                        <a:rPr lang="en-US" altLang="zh-CN" dirty="0" smtClean="0"/>
+                        <a:t>5v</a:t>
+                      </a:r>
+                      <a:r>
+                        <a:rPr lang="zh-CN" altLang="en-US" dirty="0" smtClean="0"/>
+                        <a:t>电源输出口，可以给单片机系统供电</a:t>
+                      </a:r>
+                      <a:endParaRPr lang="zh-CN" altLang="en-US" dirty="0"/>
+                    </a:p>
+                  </a:txBody>
+                  <a:tcPr/>
+                </a:tc>
+              </a:tr>
+              <a:tr h="370840">
+                <a:tc>
+                  <a:txBody>
+                    <a:bodyPr/>
+                    <a:lstStyle/>
+                    <a:p>
+                      <a:r>
+                        <a:rPr lang="en-US" altLang="zh-CN" dirty="0" smtClean="0"/>
+                        <a:t>USB</a:t>
+                      </a:r>
+                      <a:r>
+                        <a:rPr lang="zh-CN" altLang="en-US" dirty="0" smtClean="0"/>
+                        <a:t>芯片</a:t>
+                      </a:r>
+                      <a:endParaRPr lang="zh-CN" altLang="en-US" dirty="0"/>
+                    </a:p>
+                  </a:txBody>
+                  <a:tcPr/>
+                </a:tc>
+                <a:tc>
+                  <a:txBody>
+                    <a:bodyPr/>
+                    <a:lstStyle/>
+                    <a:p>
+                      <a:r>
+                        <a:rPr lang="en-US" altLang="zh-CN" dirty="0" smtClean="0"/>
+                        <a:t>USB</a:t>
+                      </a:r>
+                      <a:r>
+                        <a:rPr lang="zh-CN" altLang="en-US" dirty="0" smtClean="0"/>
+                        <a:t>接口芯片</a:t>
+                      </a:r>
+                      <a:r>
+                        <a:rPr lang="en-US" altLang="zh-CN" dirty="0" smtClean="0"/>
+                        <a:t>CP2102</a:t>
+                      </a:r>
+                      <a:r>
+                        <a:rPr lang="zh-CN" altLang="en-US" dirty="0" smtClean="0"/>
+                        <a:t>通速率</a:t>
+                      </a:r>
+                      <a:r>
+                        <a:rPr lang="en-US" altLang="zh-CN" dirty="0" smtClean="0"/>
+                        <a:t>2Mbps</a:t>
+                      </a:r>
+                      <a:endParaRPr lang="zh-CN" altLang="en-US" dirty="0"/>
+                    </a:p>
+                  </a:txBody>
+                  <a:tcPr/>
+                </a:tc>
+                <a:tc>
+                  <a:txBody>
+                    <a:bodyPr/>
+                    <a:lstStyle/>
+                    <a:p>
+                      <a:r>
+                        <a:rPr lang="zh-CN" altLang="en-US" dirty="0" smtClean="0"/>
+                        <a:t>拨码开关</a:t>
+                      </a:r>
+                      <a:endParaRPr lang="zh-CN" altLang="en-US" dirty="0"/>
+                    </a:p>
+                  </a:txBody>
+                  <a:tcPr/>
+                </a:tc>
+                <a:tc>
+                  <a:txBody>
+                    <a:bodyPr/>
+                    <a:lstStyle/>
+                    <a:p>
+                      <a:r>
+                        <a:rPr lang="zh-CN" altLang="en-US" dirty="0" smtClean="0"/>
+                        <a:t>采用稳定可靠的贴片开关，</a:t>
+                      </a:r>
+                      <a:endParaRPr lang="zh-CN" altLang="en-US" dirty="0"/>
+                    </a:p>
+                  </a:txBody>
+                  <a:tcPr/>
+                </a:tc>
+              </a:tr>
+              <a:tr h="370840">
+                <a:tc>
+                  <a:txBody>
+                    <a:bodyPr/>
+                    <a:lstStyle/>
+                    <a:p>
+                      <a:r>
+                        <a:rPr lang="zh-CN" altLang="en-US" dirty="0" smtClean="0"/>
+                        <a:t>三色</a:t>
+                      </a:r>
+                      <a:r>
+                        <a:rPr lang="en-US" altLang="zh-CN" dirty="0" smtClean="0"/>
+                        <a:t>LED</a:t>
+                      </a:r>
+                      <a:r>
+                        <a:rPr lang="zh-CN" altLang="en-US" dirty="0" smtClean="0"/>
+                        <a:t>指示灯</a:t>
+                      </a:r>
+                      <a:endParaRPr lang="zh-CN" altLang="en-US" dirty="0"/>
+                    </a:p>
+                  </a:txBody>
+                  <a:tcPr/>
+                </a:tc>
+                <a:tc>
+                  <a:txBody>
+                    <a:bodyPr/>
+                    <a:lstStyle/>
+                    <a:p>
+                      <a:r>
+                        <a:rPr lang="zh-CN" altLang="en-US" dirty="0" smtClean="0"/>
+                        <a:t>分别采用红、黄、绿三种不同颜色的</a:t>
+                      </a:r>
+                      <a:r>
+                        <a:rPr lang="en-US" altLang="zh-CN" dirty="0" smtClean="0"/>
+                        <a:t>LED</a:t>
+                      </a:r>
+                      <a:r>
+                        <a:rPr lang="zh-CN" altLang="en-US" dirty="0" smtClean="0"/>
+                        <a:t>灯来指示模块的工作状态，</a:t>
+                      </a:r>
+                      <a:r>
+                        <a:rPr lang="en-US" altLang="zh-CN" dirty="0" smtClean="0"/>
+                        <a:t>TX,RX</a:t>
+                      </a:r>
+                      <a:r>
+                        <a:rPr lang="zh-CN" altLang="en-US" dirty="0" smtClean="0"/>
+                        <a:t>灯在对应的数据线上有数据传送的时候将会闪烁，数据清晰可见</a:t>
+                      </a:r>
+                      <a:endParaRPr lang="zh-CN" altLang="en-US" dirty="0"/>
+                    </a:p>
+                  </a:txBody>
+                  <a:tcPr/>
+                </a:tc>
+                <a:tc>
+                  <a:txBody>
+                    <a:bodyPr/>
+                    <a:lstStyle/>
+                    <a:p>
+                      <a:r>
+                        <a:rPr lang="zh-CN" altLang="en-US" dirty="0" smtClean="0"/>
+                        <a:t>保留</a:t>
+                      </a:r>
+                      <a:r>
+                        <a:rPr lang="en-US" altLang="zh-CN" dirty="0" smtClean="0"/>
+                        <a:t>DTR/RTS</a:t>
+                      </a:r>
+                      <a:r>
+                        <a:rPr lang="zh-CN" altLang="en-US" dirty="0" smtClean="0"/>
+                        <a:t>接口</a:t>
+                      </a:r>
+                      <a:endParaRPr lang="zh-CN" altLang="en-US" dirty="0"/>
+                    </a:p>
+                  </a:txBody>
+                  <a:tcPr/>
+                </a:tc>
+                <a:tc>
+                  <a:txBody>
+                    <a:bodyPr/>
+                    <a:lstStyle/>
+                    <a:p>
+                      <a:r>
+                        <a:rPr lang="zh-CN" altLang="en-US" dirty="0" smtClean="0"/>
+                        <a:t>保留了</a:t>
+                      </a:r>
+                      <a:r>
+                        <a:rPr lang="en-US" altLang="zh-CN" dirty="0" smtClean="0"/>
+                        <a:t>DTR</a:t>
+                      </a:r>
+                      <a:r>
+                        <a:rPr lang="zh-CN" altLang="en-US" dirty="0" smtClean="0"/>
+                        <a:t>和</a:t>
+                      </a:r>
+                      <a:r>
+                        <a:rPr lang="en-US" altLang="zh-CN" dirty="0" smtClean="0"/>
+                        <a:t>RTS</a:t>
+                      </a:r>
+                      <a:r>
+                        <a:rPr lang="zh-CN" altLang="en-US" dirty="0" smtClean="0"/>
+                        <a:t>输出接口，可以通过串口操作控制这两个脚的电平，对某些单片机下载程序的时候，可以自动完成复位，比如</a:t>
+                      </a:r>
+                      <a:r>
+                        <a:rPr lang="en-US" altLang="zh-CN" dirty="0" smtClean="0"/>
+                        <a:t>Arduino</a:t>
+                      </a:r>
+                      <a:r>
+                        <a:rPr lang="zh-CN" altLang="en-US" dirty="0" smtClean="0"/>
+                        <a:t>、</a:t>
+                      </a:r>
+                      <a:r>
+                        <a:rPr lang="en-US" altLang="zh-CN" dirty="0" smtClean="0"/>
+                        <a:t>MSP430</a:t>
+                      </a:r>
+                      <a:r>
+                        <a:rPr lang="zh-CN" altLang="en-US" dirty="0" smtClean="0"/>
+                        <a:t>下载程序</a:t>
+                      </a:r>
+                      <a:endParaRPr lang="zh-CN" altLang="en-US" dirty="0"/>
+                    </a:p>
+                  </a:txBody>
+                  <a:tcPr/>
+                </a:tc>
+              </a:tr>
+            </a:tbl>
+          </a:graphicData>
+        </a:graphic>
+      </p:graphicFrame>
+    </p:spTree>
+    <p:extLst>
+      <p:ext uri="{BB962C8B-B14F-4D97-AF65-F5344CB8AC3E}">
+        <p14:creationId xmlns:p14="http://schemas.microsoft.com/office/powerpoint/2010/main" val="3672404429"/>
+      </p:ext>
+    </p:extLst>
+  </p:cSld>
+  <p:clrMapOvr>
+    <a:masterClrMapping/>
+  </p:clrMapOvr>
+  <p:timing>
+    <p:tnLst>
+      <p:par>
+        <p:cTn id="1" dur="indefinite" restart="never" nodeType="tmRoot"/>
+      </p:par>
+    </p:tnLst>
+  </p:timing>
+</p:sld>
+</file>
+
+<file path=ppt/slides/slide13.xml><?xml version="1.0" encoding="utf-8"?>
+<p:sld xmlns:a="http://schemas.openxmlformats.org/drawingml/2006/main" xmlns:r="http://schemas.openxmlformats.org/officeDocument/2006/relationships" xmlns:p="http://schemas.openxmlformats.org/presentationml/2006/main">
+  <p:cSld>
+    <p:spTree>
+      <p:nvGrpSpPr>
+        <p:cNvPr id="1" name=""/>
+        <p:cNvGrpSpPr/>
+        <p:nvPr/>
+      </p:nvGrpSpPr>
+      <p:grpSpPr>
+        <a:xfrm>
+          <a:off x="0" y="0"/>
+          <a:ext cx="0" cy="0"/>
+          <a:chOff x="0" y="0"/>
+          <a:chExt cx="0" cy="0"/>
+        </a:xfrm>
+      </p:grpSpPr>
+      <p:sp>
+        <p:nvSpPr>
+          <p:cNvPr id="4" name="文本框 3"/>
+          <p:cNvSpPr txBox="1"/>
+          <p:nvPr/>
+        </p:nvSpPr>
+        <p:spPr>
+          <a:xfrm>
+            <a:off x="4971010" y="315883"/>
+            <a:ext cx="2654894" cy="584775"/>
+          </a:xfrm>
+          <a:prstGeom prst="rect">
+            <a:avLst/>
+          </a:prstGeom>
+          <a:noFill/>
+        </p:spPr>
+        <p:txBody>
+          <a:bodyPr wrap="none" rtlCol="0">
+            <a:spAutoFit/>
+          </a:bodyPr>
+          <a:lstStyle/>
+          <a:p>
+            <a:r>
+              <a:rPr lang="en-US" altLang="zh-CN" sz="3200" dirty="0" smtClean="0"/>
+              <a:t>Surface</a:t>
+            </a:r>
+            <a:r>
+              <a:rPr lang="zh-CN" altLang="en-US" sz="3200" dirty="0" smtClean="0"/>
+              <a:t>笔记本</a:t>
+            </a:r>
+            <a:endParaRPr lang="zh-CN" altLang="en-US" sz="3200" dirty="0"/>
+          </a:p>
+        </p:txBody>
+      </p:sp>
+      <p:pic>
+        <p:nvPicPr>
+          <p:cNvPr id="5" name="图片 4"/>
+          <p:cNvPicPr>
+            <a:picLocks noChangeAspect="1"/>
+          </p:cNvPicPr>
+          <p:nvPr/>
+        </p:nvPicPr>
+        <p:blipFill>
+          <a:blip r:embed="rId2">
+            <a:extLst>
+              <a:ext uri="{28A0092B-C50C-407E-A947-70E740481C1C}">
+                <a14:useLocalDpi xmlns:a14="http://schemas.microsoft.com/office/drawing/2010/main" val="0"/>
+              </a:ext>
+            </a:extLst>
+          </a:blip>
+          <a:stretch>
+            <a:fillRect/>
+          </a:stretch>
+        </p:blipFill>
+        <p:spPr>
+          <a:xfrm>
+            <a:off x="3164732" y="1766109"/>
+            <a:ext cx="6267450" cy="3924300"/>
+          </a:xfrm>
+          <a:prstGeom prst="rect">
+            <a:avLst/>
+          </a:prstGeom>
+        </p:spPr>
+      </p:pic>
+    </p:spTree>
+    <p:extLst>
+      <p:ext uri="{BB962C8B-B14F-4D97-AF65-F5344CB8AC3E}">
+        <p14:creationId xmlns:p14="http://schemas.microsoft.com/office/powerpoint/2010/main" val="594251739"/>
+      </p:ext>
+    </p:extLst>
+  </p:cSld>
+  <p:clrMapOvr>
+    <a:masterClrMapping/>
+  </p:clrMapOvr>
+  <p:timing>
+    <p:tnLst>
+      <p:par>
+        <p:cTn id="1" dur="indefinite" restart="never" nodeType="tmRoot"/>
+      </p:par>
+    </p:tnLst>
+  </p:timing>
+</p:sld>
+</file>
+
+<file path=ppt/slides/slide14.xml><?xml version="1.0" encoding="utf-8"?>
+<p:sld xmlns:a="http://schemas.openxmlformats.org/drawingml/2006/main" xmlns:r="http://schemas.openxmlformats.org/officeDocument/2006/relationships" xmlns:p="http://schemas.openxmlformats.org/presentationml/2006/main">
+  <p:cSld>
+    <p:spTree>
+      <p:nvGrpSpPr>
+        <p:cNvPr id="1" name=""/>
+        <p:cNvGrpSpPr/>
+        <p:nvPr/>
+      </p:nvGrpSpPr>
+      <p:grpSpPr>
+        <a:xfrm>
+          <a:off x="0" y="0"/>
+          <a:ext cx="0" cy="0"/>
+          <a:chOff x="0" y="0"/>
+          <a:chExt cx="0" cy="0"/>
+        </a:xfrm>
+      </p:grpSpPr>
       <p:graphicFrame>
         <p:nvGraphicFramePr>
           <p:cNvPr id="4" name="表格 3"/>
@@ -2976,14 +4266,14 @@
           <p:nvPr>
             <p:extLst>
               <p:ext uri="{D42A27DB-BD31-4B8C-83A1-F6EECF244321}">
-                <p14:modId xmlns:p14="http://schemas.microsoft.com/office/powerpoint/2010/main" val="1021097665"/>
+                <p14:modId xmlns:p14="http://schemas.microsoft.com/office/powerpoint/2010/main" val="508618228"/>
               </p:ext>
             </p:extLst>
           </p:nvPr>
         </p:nvGraphicFramePr>
         <p:xfrm>
-          <a:off x="2032000" y="719666"/>
-          <a:ext cx="8128000" cy="2225040"/>
+          <a:off x="1932246" y="0"/>
+          <a:ext cx="9339812" cy="6909900"/>
         </p:xfrm>
         <a:graphic>
           <a:graphicData uri="http://schemas.openxmlformats.org/drawingml/2006/table">
@@ -2992,152 +4282,600 @@
                 <a:tableStyleId>{5C22544A-7EE6-4342-B048-85BDC9FD1C3A}</a:tableStyleId>
               </a:tblPr>
               <a:tblGrid>
-                <a:gridCol w="4064000"/>
-                <a:gridCol w="4064000"/>
+                <a:gridCol w="2334953"/>
+                <a:gridCol w="2334953"/>
+                <a:gridCol w="2334953"/>
+                <a:gridCol w="2334953"/>
               </a:tblGrid>
-              <a:tr h="370840">
-                <a:tc>
-                  <a:txBody>
-                    <a:bodyPr/>
-                    <a:lstStyle/>
-                    <a:p>
-                      <a:r>
-                        <a:rPr lang="zh-CN" altLang="en-US" dirty="0" smtClean="0"/>
-                        <a:t>惯导</a:t>
-                      </a:r>
-                      <a:r>
-                        <a:rPr lang="en-US" altLang="zh-CN" dirty="0" smtClean="0"/>
-                        <a:t>GPS </a:t>
-                      </a:r>
-                      <a:r>
-                        <a:rPr lang="zh-CN" altLang="en-US" dirty="0" smtClean="0"/>
-                        <a:t>陀螺仪 </a:t>
-                      </a:r>
-                      <a:r>
-                        <a:rPr lang="en-US" altLang="zh-CN" dirty="0" smtClean="0"/>
-                        <a:t>MPU6050</a:t>
-                      </a:r>
-                      <a:endParaRPr lang="zh-CN" altLang="en-US" dirty="0"/>
-                    </a:p>
-                  </a:txBody>
-                  <a:tcPr/>
-                </a:tc>
-                <a:tc>
-                  <a:txBody>
-                    <a:bodyPr/>
-                    <a:lstStyle/>
-                    <a:p>
-                      <a:endParaRPr lang="zh-CN" altLang="en-US"/>
+              <a:tr h="483150">
+                <a:tc>
+                  <a:txBody>
+                    <a:bodyPr/>
+                    <a:lstStyle/>
+                    <a:p>
+                      <a:r>
+                        <a:rPr lang="zh-CN" altLang="en-US" dirty="0" smtClean="0"/>
+                        <a:t>项目</a:t>
+                      </a:r>
+                      <a:endParaRPr lang="zh-CN" altLang="en-US" dirty="0"/>
+                    </a:p>
+                  </a:txBody>
+                  <a:tcPr/>
+                </a:tc>
+                <a:tc>
+                  <a:txBody>
+                    <a:bodyPr/>
+                    <a:lstStyle/>
+                    <a:p>
+                      <a:r>
+                        <a:rPr lang="zh-CN" altLang="en-US" dirty="0" smtClean="0"/>
+                        <a:t>说明</a:t>
+                      </a:r>
+                      <a:endParaRPr lang="zh-CN" altLang="en-US" dirty="0"/>
+                    </a:p>
+                  </a:txBody>
+                  <a:tcPr/>
+                </a:tc>
+                <a:tc>
+                  <a:txBody>
+                    <a:bodyPr/>
+                    <a:lstStyle/>
+                    <a:p>
+                      <a:r>
+                        <a:rPr lang="zh-CN" altLang="en-US" dirty="0" smtClean="0"/>
+                        <a:t>项目</a:t>
+                      </a:r>
+                      <a:endParaRPr lang="zh-CN" altLang="en-US" dirty="0"/>
+                    </a:p>
+                  </a:txBody>
+                  <a:tcPr/>
+                </a:tc>
+                <a:tc>
+                  <a:txBody>
+                    <a:bodyPr/>
+                    <a:lstStyle/>
+                    <a:p>
+                      <a:r>
+                        <a:rPr lang="zh-CN" altLang="en-US" dirty="0" smtClean="0"/>
+                        <a:t>说明</a:t>
+                      </a:r>
+                      <a:endParaRPr lang="zh-CN" altLang="en-US" dirty="0"/>
                     </a:p>
                   </a:txBody>
                   <a:tcPr/>
                 </a:tc>
               </a:tr>
-              <a:tr h="370840">
-                <a:tc>
-                  <a:txBody>
-                    <a:bodyPr/>
-                    <a:lstStyle/>
-                    <a:p>
-                      <a:endParaRPr lang="zh-CN" altLang="en-US"/>
-                    </a:p>
-                  </a:txBody>
-                  <a:tcPr/>
-                </a:tc>
-                <a:tc>
-                  <a:txBody>
-                    <a:bodyPr/>
-                    <a:lstStyle/>
-                    <a:p>
-                      <a:endParaRPr lang="zh-CN" altLang="en-US"/>
+              <a:tr h="483150">
+                <a:tc>
+                  <a:txBody>
+                    <a:bodyPr/>
+                    <a:lstStyle/>
+                    <a:p>
+                      <a:r>
+                        <a:rPr lang="zh-CN" altLang="en-US" dirty="0" smtClean="0"/>
+                        <a:t>软件</a:t>
+                      </a:r>
+                      <a:endParaRPr lang="zh-CN" altLang="en-US" dirty="0"/>
+                    </a:p>
+                  </a:txBody>
+                  <a:tcPr/>
+                </a:tc>
+                <a:tc>
+                  <a:txBody>
+                    <a:bodyPr/>
+                    <a:lstStyle/>
+                    <a:p>
+                      <a:r>
+                        <a:rPr lang="en-US" altLang="zh-CN" dirty="0" smtClean="0"/>
+                        <a:t>Win10</a:t>
+                      </a:r>
+                      <a:r>
+                        <a:rPr lang="zh-CN" altLang="en-US" dirty="0" smtClean="0"/>
+                        <a:t>专业版系统</a:t>
+                      </a:r>
+                      <a:endParaRPr lang="zh-CN" altLang="en-US" dirty="0"/>
+                    </a:p>
+                  </a:txBody>
+                  <a:tcPr/>
+                </a:tc>
+                <a:tc>
+                  <a:txBody>
+                    <a:bodyPr/>
+                    <a:lstStyle/>
+                    <a:p>
+                      <a:r>
+                        <a:rPr lang="zh-CN" altLang="en-US" dirty="0" smtClean="0"/>
+                        <a:t>电池</a:t>
+                      </a:r>
+                      <a:endParaRPr lang="zh-CN" altLang="en-US" dirty="0"/>
+                    </a:p>
+                  </a:txBody>
+                  <a:tcPr/>
+                </a:tc>
+                <a:tc>
+                  <a:txBody>
+                    <a:bodyPr/>
+                    <a:lstStyle/>
+                    <a:p>
+                      <a:r>
+                        <a:rPr lang="en-US" altLang="zh-CN" dirty="0" smtClean="0"/>
+                        <a:t>9</a:t>
+                      </a:r>
+                      <a:r>
+                        <a:rPr lang="zh-CN" altLang="en-US" dirty="0" smtClean="0"/>
+                        <a:t>小时视频播放续航</a:t>
+                      </a:r>
+                      <a:endParaRPr lang="zh-CN" altLang="en-US" dirty="0"/>
                     </a:p>
                   </a:txBody>
                   <a:tcPr/>
                 </a:tc>
               </a:tr>
-              <a:tr h="370840">
-                <a:tc>
-                  <a:txBody>
-                    <a:bodyPr/>
-                    <a:lstStyle/>
-                    <a:p>
-                      <a:endParaRPr lang="zh-CN" altLang="en-US"/>
-                    </a:p>
-                  </a:txBody>
-                  <a:tcPr/>
-                </a:tc>
-                <a:tc>
-                  <a:txBody>
-                    <a:bodyPr/>
-                    <a:lstStyle/>
-                    <a:p>
-                      <a:endParaRPr lang="zh-CN" altLang="en-US"/>
+              <a:tr h="483150">
+                <a:tc>
+                  <a:txBody>
+                    <a:bodyPr/>
+                    <a:lstStyle/>
+                    <a:p>
+                      <a:r>
+                        <a:rPr lang="zh-CN" altLang="en-US" dirty="0" smtClean="0"/>
+                        <a:t>处理器</a:t>
+                      </a:r>
+                      <a:endParaRPr lang="zh-CN" altLang="en-US" dirty="0"/>
+                    </a:p>
+                  </a:txBody>
+                  <a:tcPr/>
+                </a:tc>
+                <a:tc>
+                  <a:txBody>
+                    <a:bodyPr/>
+                    <a:lstStyle/>
+                    <a:p>
+                      <a:r>
+                        <a:rPr lang="zh-CN" altLang="en-US" dirty="0" smtClean="0"/>
+                        <a:t>英特尔第六代</a:t>
+                      </a:r>
+                      <a:r>
+                        <a:rPr lang="en-US" altLang="zh-CN" dirty="0" err="1" smtClean="0"/>
+                        <a:t>Skylake</a:t>
+                      </a:r>
+                      <a:r>
+                        <a:rPr lang="en-US" altLang="zh-CN" dirty="0" smtClean="0"/>
+                        <a:t> Core</a:t>
+                      </a:r>
+                      <a:r>
+                        <a:rPr lang="en-US" altLang="zh-CN" baseline="0" dirty="0" smtClean="0"/>
+                        <a:t> m3, i5 </a:t>
+                      </a:r>
+                      <a:r>
+                        <a:rPr lang="zh-CN" altLang="en-US" baseline="0" dirty="0" smtClean="0"/>
+                        <a:t>或</a:t>
+                      </a:r>
+                      <a:r>
+                        <a:rPr lang="en-US" altLang="zh-CN" baseline="0" dirty="0" smtClean="0"/>
+                        <a:t>i7</a:t>
+                      </a:r>
+                      <a:endParaRPr lang="zh-CN" altLang="en-US" dirty="0"/>
+                    </a:p>
+                  </a:txBody>
+                  <a:tcPr/>
+                </a:tc>
+                <a:tc>
+                  <a:txBody>
+                    <a:bodyPr/>
+                    <a:lstStyle/>
+                    <a:p>
+                      <a:r>
+                        <a:rPr lang="zh-CN" altLang="en-US" dirty="0" smtClean="0"/>
+                        <a:t>内存</a:t>
+                      </a:r>
+                      <a:endParaRPr lang="zh-CN" altLang="en-US" dirty="0"/>
+                    </a:p>
+                  </a:txBody>
+                  <a:tcPr/>
+                </a:tc>
+                <a:tc>
+                  <a:txBody>
+                    <a:bodyPr/>
+                    <a:lstStyle/>
+                    <a:p>
+                      <a:r>
+                        <a:rPr lang="en-US" altLang="zh-CN" dirty="0" smtClean="0"/>
+                        <a:t>4G</a:t>
+                      </a:r>
+                      <a:r>
+                        <a:rPr lang="zh-CN" altLang="en-US" dirty="0" smtClean="0"/>
+                        <a:t>、</a:t>
+                      </a:r>
+                      <a:r>
+                        <a:rPr lang="en-US" altLang="zh-CN" dirty="0" smtClean="0"/>
+                        <a:t>8G</a:t>
+                      </a:r>
+                      <a:r>
+                        <a:rPr lang="zh-CN" altLang="en-US" dirty="0" smtClean="0"/>
+                        <a:t>或</a:t>
+                      </a:r>
+                      <a:r>
+                        <a:rPr lang="en-US" altLang="zh-CN" dirty="0" smtClean="0"/>
+                        <a:t>16G</a:t>
+                      </a:r>
+                      <a:endParaRPr lang="zh-CN" altLang="en-US" dirty="0"/>
                     </a:p>
                   </a:txBody>
                   <a:tcPr/>
                 </a:tc>
               </a:tr>
-              <a:tr h="370840">
-                <a:tc>
-                  <a:txBody>
-                    <a:bodyPr/>
-                    <a:lstStyle/>
-                    <a:p>
-                      <a:endParaRPr lang="zh-CN" altLang="en-US"/>
-                    </a:p>
-                  </a:txBody>
-                  <a:tcPr/>
-                </a:tc>
-                <a:tc>
-                  <a:txBody>
-                    <a:bodyPr/>
-                    <a:lstStyle/>
-                    <a:p>
-                      <a:endParaRPr lang="zh-CN" altLang="en-US"/>
+              <a:tr h="483150">
+                <a:tc>
+                  <a:txBody>
+                    <a:bodyPr/>
+                    <a:lstStyle/>
+                    <a:p>
+                      <a:r>
+                        <a:rPr lang="zh-CN" altLang="en-US" dirty="0" smtClean="0"/>
+                        <a:t>存储</a:t>
+                      </a:r>
+                      <a:endParaRPr lang="zh-CN" altLang="en-US" dirty="0"/>
+                    </a:p>
+                  </a:txBody>
+                  <a:tcPr/>
+                </a:tc>
+                <a:tc>
+                  <a:txBody>
+                    <a:bodyPr/>
+                    <a:lstStyle/>
+                    <a:p>
+                      <a:r>
+                        <a:rPr lang="zh-CN" altLang="en-US" dirty="0" smtClean="0"/>
+                        <a:t>固态硬盘，容量为</a:t>
+                      </a:r>
+                      <a:r>
+                        <a:rPr lang="en-US" altLang="zh-CN" dirty="0" smtClean="0"/>
+                        <a:t>128G</a:t>
+                      </a:r>
+                      <a:r>
+                        <a:rPr lang="zh-CN" altLang="en-US" dirty="0" smtClean="0"/>
+                        <a:t>，</a:t>
+                      </a:r>
+                      <a:r>
+                        <a:rPr lang="en-US" altLang="zh-CN" dirty="0" smtClean="0"/>
+                        <a:t>256G</a:t>
+                      </a:r>
+                      <a:r>
+                        <a:rPr lang="zh-CN" altLang="en-US" dirty="0" smtClean="0"/>
+                        <a:t>，</a:t>
+                      </a:r>
+                      <a:r>
+                        <a:rPr lang="en-US" altLang="zh-CN" dirty="0" smtClean="0"/>
+                        <a:t>512G</a:t>
+                      </a:r>
+                      <a:r>
+                        <a:rPr lang="zh-CN" altLang="en-US" dirty="0" smtClean="0"/>
+                        <a:t>或</a:t>
+                      </a:r>
+                      <a:r>
+                        <a:rPr lang="en-US" altLang="zh-CN" dirty="0" smtClean="0"/>
+                        <a:t>1TB</a:t>
+                      </a:r>
+                      <a:endParaRPr lang="zh-CN" altLang="en-US" dirty="0"/>
+                    </a:p>
+                  </a:txBody>
+                  <a:tcPr/>
+                </a:tc>
+                <a:tc>
+                  <a:txBody>
+                    <a:bodyPr/>
+                    <a:lstStyle/>
+                    <a:p>
+                      <a:r>
+                        <a:rPr lang="zh-CN" altLang="en-US" dirty="0" smtClean="0"/>
+                        <a:t>显示器</a:t>
+                      </a:r>
+                      <a:endParaRPr lang="zh-CN" altLang="en-US" dirty="0"/>
+                    </a:p>
+                  </a:txBody>
+                  <a:tcPr/>
+                </a:tc>
+                <a:tc>
+                  <a:txBody>
+                    <a:bodyPr/>
+                    <a:lstStyle/>
+                    <a:p>
+                      <a:r>
+                        <a:rPr lang="en-US" altLang="zh-CN" dirty="0" smtClean="0"/>
+                        <a:t>12.3</a:t>
+                      </a:r>
+                      <a:r>
+                        <a:rPr lang="zh-CN" altLang="en-US" dirty="0" smtClean="0"/>
+                        <a:t>英寸 </a:t>
+                      </a:r>
+                      <a:r>
+                        <a:rPr lang="en-US" altLang="zh-CN" dirty="0" err="1" smtClean="0"/>
+                        <a:t>PixelTouch</a:t>
+                      </a:r>
+                      <a:r>
+                        <a:rPr lang="zh-CN" altLang="en-US" dirty="0" smtClean="0"/>
+                        <a:t>触控显示屏，分辨率</a:t>
+                      </a:r>
+                      <a:r>
+                        <a:rPr lang="en-US" altLang="zh-CN" dirty="0" smtClean="0"/>
+                        <a:t>2736×1824(267 PPI),3:2, 10</a:t>
+                      </a:r>
+                      <a:r>
+                        <a:rPr lang="zh-CN" altLang="en-US" dirty="0" smtClean="0"/>
+                        <a:t>点触控</a:t>
+                      </a:r>
+                      <a:endParaRPr lang="zh-CN" altLang="en-US" dirty="0"/>
                     </a:p>
                   </a:txBody>
                   <a:tcPr/>
                 </a:tc>
               </a:tr>
-              <a:tr h="370840">
-                <a:tc>
-                  <a:txBody>
-                    <a:bodyPr/>
-                    <a:lstStyle/>
-                    <a:p>
-                      <a:endParaRPr lang="zh-CN" altLang="en-US"/>
-                    </a:p>
-                  </a:txBody>
-                  <a:tcPr/>
-                </a:tc>
-                <a:tc>
-                  <a:txBody>
-                    <a:bodyPr/>
-                    <a:lstStyle/>
-                    <a:p>
-                      <a:endParaRPr lang="zh-CN" altLang="en-US"/>
+              <a:tr h="483150">
+                <a:tc>
+                  <a:txBody>
+                    <a:bodyPr/>
+                    <a:lstStyle/>
+                    <a:p>
+                      <a:r>
+                        <a:rPr lang="zh-CN" altLang="en-US" dirty="0" smtClean="0"/>
+                        <a:t>显卡</a:t>
+                      </a:r>
+                      <a:endParaRPr lang="zh-CN" altLang="en-US" dirty="0"/>
+                    </a:p>
+                  </a:txBody>
+                  <a:tcPr/>
+                </a:tc>
+                <a:tc>
+                  <a:txBody>
+                    <a:bodyPr/>
+                    <a:lstStyle/>
+                    <a:p>
+                      <a:r>
+                        <a:rPr lang="en-US" altLang="zh-CN" dirty="0" smtClean="0"/>
+                        <a:t>Inter</a:t>
+                      </a:r>
+                      <a:r>
+                        <a:rPr lang="en-US" altLang="zh-CN" baseline="0" dirty="0" smtClean="0"/>
+                        <a:t> HD graphics 515(M3)</a:t>
+                      </a:r>
+                      <a:r>
+                        <a:rPr lang="zh-CN" altLang="en-US" baseline="0" dirty="0" smtClean="0"/>
+                        <a:t>或</a:t>
+                      </a:r>
+                      <a:r>
+                        <a:rPr lang="en-US" altLang="zh-CN" dirty="0" smtClean="0"/>
+                        <a:t>Inter</a:t>
+                      </a:r>
+                      <a:r>
+                        <a:rPr lang="en-US" altLang="zh-CN" baseline="0" dirty="0" smtClean="0"/>
+                        <a:t> HD graphics 515(i5)</a:t>
+                      </a:r>
+                      <a:r>
+                        <a:rPr lang="zh-CN" altLang="en-US" baseline="0" dirty="0" smtClean="0"/>
+                        <a:t>或</a:t>
+                      </a:r>
+                      <a:r>
+                        <a:rPr lang="en-US" altLang="zh-CN" dirty="0" smtClean="0"/>
+                        <a:t>Inter</a:t>
+                      </a:r>
+                      <a:r>
+                        <a:rPr lang="en-US" altLang="zh-CN" baseline="0" dirty="0" smtClean="0"/>
+                        <a:t> HD graphics 515(i7)</a:t>
+                      </a:r>
+                      <a:endParaRPr lang="zh-CN" altLang="en-US" dirty="0"/>
+                    </a:p>
+                  </a:txBody>
+                  <a:tcPr/>
+                </a:tc>
+                <a:tc>
+                  <a:txBody>
+                    <a:bodyPr/>
+                    <a:lstStyle/>
+                    <a:p>
+                      <a:r>
+                        <a:rPr lang="zh-CN" altLang="en-US" dirty="0" smtClean="0"/>
+                        <a:t>外观</a:t>
+                      </a:r>
+                      <a:endParaRPr lang="zh-CN" altLang="en-US" dirty="0"/>
+                    </a:p>
+                  </a:txBody>
+                  <a:tcPr/>
+                </a:tc>
+                <a:tc>
+                  <a:txBody>
+                    <a:bodyPr/>
+                    <a:lstStyle/>
+                    <a:p>
+                      <a:r>
+                        <a:rPr lang="zh-CN" altLang="en-US" dirty="0" smtClean="0"/>
+                        <a:t>镁合金外壳，银色，物理按键包括音量键和电源键</a:t>
+                      </a:r>
+                      <a:endParaRPr lang="zh-CN" altLang="en-US" dirty="0"/>
                     </a:p>
                   </a:txBody>
                   <a:tcPr/>
                 </a:tc>
               </a:tr>
-              <a:tr h="370840">
-                <a:tc>
-                  <a:txBody>
-                    <a:bodyPr/>
-                    <a:lstStyle/>
-                    <a:p>
-                      <a:endParaRPr lang="zh-CN" altLang="en-US"/>
-                    </a:p>
-                  </a:txBody>
-                  <a:tcPr/>
-                </a:tc>
-                <a:tc>
-                  <a:txBody>
-                    <a:bodyPr/>
-                    <a:lstStyle/>
-                    <a:p>
-                      <a:endParaRPr lang="zh-CN" altLang="en-US"/>
+              <a:tr h="483150">
+                <a:tc>
+                  <a:txBody>
+                    <a:bodyPr/>
+                    <a:lstStyle/>
+                    <a:p>
+                      <a:r>
+                        <a:rPr lang="zh-CN" altLang="en-US" dirty="0" smtClean="0"/>
+                        <a:t>无线网络</a:t>
+                      </a:r>
+                      <a:endParaRPr lang="zh-CN" altLang="en-US" dirty="0"/>
+                    </a:p>
+                  </a:txBody>
+                  <a:tcPr/>
+                </a:tc>
+                <a:tc>
+                  <a:txBody>
+                    <a:bodyPr/>
+                    <a:lstStyle/>
+                    <a:p>
+                      <a:r>
+                        <a:rPr lang="en-US" altLang="zh-CN" dirty="0" smtClean="0"/>
+                        <a:t>802.11ac </a:t>
+                      </a:r>
+                      <a:r>
+                        <a:rPr lang="en-US" altLang="zh-CN" dirty="0" err="1" smtClean="0"/>
+                        <a:t>WiFI</a:t>
+                      </a:r>
+                      <a:r>
+                        <a:rPr lang="zh-CN" altLang="en-US" dirty="0" smtClean="0"/>
+                        <a:t>无线网络；兼容</a:t>
+                      </a:r>
+                      <a:r>
+                        <a:rPr lang="en-US" altLang="zh-CN" dirty="0" smtClean="0"/>
+                        <a:t>IEEE 802.11a/b/g/n;</a:t>
+                      </a:r>
+                      <a:r>
+                        <a:rPr lang="zh-CN" altLang="en-US" dirty="0" smtClean="0"/>
+                        <a:t>支持蓝牙</a:t>
+                      </a:r>
+                      <a:r>
+                        <a:rPr lang="en-US" altLang="zh-CN" dirty="0" smtClean="0"/>
+                        <a:t>4.0</a:t>
+                      </a:r>
+                      <a:r>
+                        <a:rPr lang="zh-CN" altLang="en-US" dirty="0" smtClean="0"/>
+                        <a:t>无线技术</a:t>
+                      </a:r>
+                      <a:endParaRPr lang="zh-CN" altLang="en-US" dirty="0"/>
+                    </a:p>
+                  </a:txBody>
+                  <a:tcPr/>
+                </a:tc>
+                <a:tc>
+                  <a:txBody>
+                    <a:bodyPr/>
+                    <a:lstStyle/>
+                    <a:p>
+                      <a:r>
+                        <a:rPr lang="zh-CN" altLang="en-US" dirty="0" smtClean="0"/>
+                        <a:t>尺寸</a:t>
+                      </a:r>
+                      <a:endParaRPr lang="zh-CN" altLang="en-US" dirty="0"/>
+                    </a:p>
+                  </a:txBody>
+                  <a:tcPr/>
+                </a:tc>
+                <a:tc>
+                  <a:txBody>
+                    <a:bodyPr/>
+                    <a:lstStyle/>
+                    <a:p>
+                      <a:r>
+                        <a:rPr lang="en-US" altLang="zh-CN" dirty="0" smtClean="0"/>
+                        <a:t>292.10mm</a:t>
+                      </a:r>
+                      <a:r>
+                        <a:rPr lang="en-US" altLang="zh-CN" baseline="0" dirty="0" smtClean="0"/>
+                        <a:t> ×201.42mm×8.45mm</a:t>
+                      </a:r>
+                      <a:endParaRPr lang="zh-CN" altLang="en-US" dirty="0"/>
+                    </a:p>
+                  </a:txBody>
+                  <a:tcPr/>
+                </a:tc>
+              </a:tr>
+              <a:tr h="483150">
+                <a:tc>
+                  <a:txBody>
+                    <a:bodyPr/>
+                    <a:lstStyle/>
+                    <a:p>
+                      <a:r>
+                        <a:rPr lang="zh-CN" altLang="en-US" dirty="0" smtClean="0"/>
+                        <a:t>接口</a:t>
+                      </a:r>
+                      <a:endParaRPr lang="zh-CN" altLang="en-US" dirty="0"/>
+                    </a:p>
+                  </a:txBody>
+                  <a:tcPr/>
+                </a:tc>
+                <a:tc>
+                  <a:txBody>
+                    <a:bodyPr/>
+                    <a:lstStyle/>
+                    <a:p>
+                      <a:r>
+                        <a:rPr lang="zh-CN" altLang="en-US" dirty="0" smtClean="0"/>
+                        <a:t>全尺寸</a:t>
+                      </a:r>
+                      <a:r>
+                        <a:rPr lang="en-US" altLang="zh-CN" dirty="0" smtClean="0"/>
+                        <a:t>USB3.0</a:t>
+                      </a:r>
+                      <a:r>
+                        <a:rPr lang="zh-CN" altLang="en-US" dirty="0" smtClean="0"/>
+                        <a:t>、</a:t>
+                      </a:r>
+                      <a:r>
+                        <a:rPr lang="en-US" altLang="zh-CN" dirty="0" err="1" smtClean="0"/>
+                        <a:t>microSD</a:t>
+                      </a:r>
+                      <a:r>
+                        <a:rPr lang="zh-CN" altLang="en-US" dirty="0" smtClean="0"/>
+                        <a:t>卡读卡器耳机插孔、</a:t>
+                      </a:r>
+                      <a:r>
+                        <a:rPr lang="en-US" altLang="zh-CN" dirty="0" err="1" smtClean="0"/>
+                        <a:t>MiniDisplay</a:t>
+                      </a:r>
+                      <a:r>
+                        <a:rPr lang="zh-CN" altLang="en-US" dirty="0" smtClean="0"/>
+                        <a:t>接口、</a:t>
+                      </a:r>
+                      <a:r>
+                        <a:rPr lang="en-US" altLang="zh-CN" dirty="0" smtClean="0"/>
+                        <a:t>Cover</a:t>
+                      </a:r>
+                      <a:r>
+                        <a:rPr lang="zh-CN" altLang="en-US" dirty="0" smtClean="0"/>
+                        <a:t>键盘接口、</a:t>
+                      </a:r>
+                      <a:r>
+                        <a:rPr lang="en-US" altLang="zh-CN" dirty="0" err="1" smtClean="0"/>
+                        <a:t>SurfaceConnect</a:t>
+                      </a:r>
+                      <a:r>
+                        <a:rPr lang="zh-CN" altLang="en-US" dirty="0" smtClean="0"/>
+                        <a:t>接口</a:t>
+                      </a:r>
+                      <a:endParaRPr lang="zh-CN" altLang="en-US" dirty="0"/>
+                    </a:p>
+                  </a:txBody>
+                  <a:tcPr/>
+                </a:tc>
+                <a:tc>
+                  <a:txBody>
+                    <a:bodyPr/>
+                    <a:lstStyle/>
+                    <a:p>
+                      <a:r>
+                        <a:rPr lang="zh-CN" altLang="en-US" dirty="0" smtClean="0"/>
+                        <a:t>传感器</a:t>
+                      </a:r>
+                      <a:endParaRPr lang="zh-CN" altLang="en-US" dirty="0"/>
+                    </a:p>
+                  </a:txBody>
+                  <a:tcPr/>
+                </a:tc>
+                <a:tc>
+                  <a:txBody>
+                    <a:bodyPr/>
+                    <a:lstStyle/>
+                    <a:p>
+                      <a:r>
+                        <a:rPr lang="zh-CN" altLang="en-US" dirty="0" smtClean="0"/>
+                        <a:t>环境光传感器、加速度计、陀螺仪和磁力计</a:t>
+                      </a:r>
+                      <a:endParaRPr lang="zh-CN" altLang="en-US" dirty="0"/>
                     </a:p>
                   </a:txBody>
                   <a:tcPr/>
@@ -3147,10 +4885,46 @@
           </a:graphicData>
         </a:graphic>
       </p:graphicFrame>
+      <p:sp>
+        <p:nvSpPr>
+          <p:cNvPr id="5" name="文本框 4"/>
+          <p:cNvSpPr txBox="1"/>
+          <p:nvPr/>
+        </p:nvSpPr>
+        <p:spPr>
+          <a:xfrm>
+            <a:off x="249382" y="1961804"/>
+            <a:ext cx="1423788" cy="1077218"/>
+          </a:xfrm>
+          <a:prstGeom prst="rect">
+            <a:avLst/>
+          </a:prstGeom>
+          <a:noFill/>
+        </p:spPr>
+        <p:txBody>
+          <a:bodyPr wrap="none" rtlCol="0">
+            <a:spAutoFit/>
+          </a:bodyPr>
+          <a:lstStyle/>
+          <a:p>
+            <a:r>
+              <a:rPr lang="en-US" altLang="zh-CN" sz="3200" dirty="0" smtClean="0"/>
+              <a:t>Surface</a:t>
+            </a:r>
+          </a:p>
+          <a:p>
+            <a:r>
+              <a:rPr lang="zh-CN" altLang="en-US" sz="3200" dirty="0" smtClean="0"/>
+              <a:t>笔记本</a:t>
+            </a:r>
+            <a:endParaRPr lang="en-US" altLang="zh-CN" sz="3200" dirty="0" smtClean="0"/>
+          </a:p>
+        </p:txBody>
+      </p:sp>
     </p:spTree>
     <p:extLst>
       <p:ext uri="{BB962C8B-B14F-4D97-AF65-F5344CB8AC3E}">
-        <p14:creationId xmlns:p14="http://schemas.microsoft.com/office/powerpoint/2010/main" val="1195918091"/>
+        <p14:creationId xmlns:p14="http://schemas.microsoft.com/office/powerpoint/2010/main" val="4032752074"/>
       </p:ext>
     </p:extLst>
   </p:cSld>
@@ -3184,34 +4958,304 @@
           <a:chExt cx="0" cy="0"/>
         </a:xfrm>
       </p:grpSpPr>
-      <p:pic>
-        <p:nvPicPr>
-          <p:cNvPr id="4" name="图片 3"/>
-          <p:cNvPicPr>
-            <a:picLocks noChangeAspect="1"/>
-          </p:cNvPicPr>
+      <p:sp>
+        <p:nvSpPr>
+          <p:cNvPr id="4" name="文本框 3"/>
+          <p:cNvSpPr txBox="1"/>
           <p:nvPr/>
-        </p:nvPicPr>
-        <p:blipFill>
-          <a:blip r:embed="rId2"/>
-          <a:stretch>
-            <a:fillRect/>
-          </a:stretch>
-        </p:blipFill>
+        </p:nvSpPr>
         <p:spPr>
           <a:xfrm>
-            <a:off x="1945592" y="410430"/>
-            <a:ext cx="7771428" cy="5676190"/>
+            <a:off x="5079278" y="305572"/>
+            <a:ext cx="3920047" cy="584775"/>
           </a:xfrm>
           <a:prstGeom prst="rect">
             <a:avLst/>
           </a:prstGeom>
+          <a:noFill/>
         </p:spPr>
-      </p:pic>
+        <p:txBody>
+          <a:bodyPr wrap="none" rtlCol="0">
+            <a:spAutoFit/>
+          </a:bodyPr>
+          <a:lstStyle/>
+          <a:p>
+            <a:r>
+              <a:rPr lang="zh-CN" altLang="en-US" sz="3200" dirty="0"/>
+              <a:t>罗</a:t>
+            </a:r>
+            <a:r>
+              <a:rPr lang="zh-CN" altLang="en-US" sz="3200" dirty="0" smtClean="0"/>
+              <a:t>技 </a:t>
+            </a:r>
+            <a:r>
+              <a:rPr lang="en-US" altLang="zh-CN" sz="3200" dirty="0" smtClean="0"/>
+              <a:t>Logitech  </a:t>
+            </a:r>
+            <a:r>
+              <a:rPr lang="zh-CN" altLang="en-US" sz="3200" dirty="0" smtClean="0"/>
+              <a:t>摄像头</a:t>
+            </a:r>
+            <a:endParaRPr lang="zh-CN" altLang="en-US" sz="3200" dirty="0"/>
+          </a:p>
+        </p:txBody>
+      </p:sp>
+      <p:graphicFrame>
+        <p:nvGraphicFramePr>
+          <p:cNvPr id="5" name="表格 4"/>
+          <p:cNvGraphicFramePr>
+            <a:graphicFrameLocks noGrp="1"/>
+          </p:cNvGraphicFramePr>
+          <p:nvPr>
+            <p:extLst>
+              <p:ext uri="{D42A27DB-BD31-4B8C-83A1-F6EECF244321}">
+                <p14:modId xmlns:p14="http://schemas.microsoft.com/office/powerpoint/2010/main" val="1522808113"/>
+              </p:ext>
+            </p:extLst>
+          </p:nvPr>
+        </p:nvGraphicFramePr>
+        <p:xfrm>
+          <a:off x="2177933" y="1895301"/>
+          <a:ext cx="8684030" cy="3178260"/>
+        </p:xfrm>
+        <a:graphic>
+          <a:graphicData uri="http://schemas.openxmlformats.org/drawingml/2006/table">
+            <a:tbl>
+              <a:tblPr firstRow="1" bandRow="1">
+                <a:tableStyleId>{5C22544A-7EE6-4342-B048-85BDC9FD1C3A}</a:tableStyleId>
+              </a:tblPr>
+              <a:tblGrid>
+                <a:gridCol w="4342015"/>
+                <a:gridCol w="4342015"/>
+              </a:tblGrid>
+              <a:tr h="387334">
+                <a:tc>
+                  <a:txBody>
+                    <a:bodyPr/>
+                    <a:lstStyle/>
+                    <a:p>
+                      <a:r>
+                        <a:rPr lang="zh-CN" altLang="en-US" b="1" dirty="0" smtClean="0"/>
+                        <a:t>项目</a:t>
+                      </a:r>
+                      <a:endParaRPr lang="zh-CN" altLang="en-US" b="1" dirty="0"/>
+                    </a:p>
+                  </a:txBody>
+                  <a:tcPr/>
+                </a:tc>
+                <a:tc>
+                  <a:txBody>
+                    <a:bodyPr/>
+                    <a:lstStyle/>
+                    <a:p>
+                      <a:r>
+                        <a:rPr lang="zh-CN" altLang="en-US" b="1" dirty="0" smtClean="0"/>
+                        <a:t>说明</a:t>
+                      </a:r>
+                      <a:endParaRPr lang="zh-CN" altLang="en-US" b="1" dirty="0"/>
+                    </a:p>
+                  </a:txBody>
+                  <a:tcPr/>
+                </a:tc>
+              </a:tr>
+              <a:tr h="387334">
+                <a:tc>
+                  <a:txBody>
+                    <a:bodyPr/>
+                    <a:lstStyle/>
+                    <a:p>
+                      <a:r>
+                        <a:rPr lang="zh-CN" altLang="en-US" dirty="0" smtClean="0"/>
+                        <a:t>型号</a:t>
+                      </a:r>
+                      <a:endParaRPr lang="zh-CN" altLang="en-US" dirty="0"/>
+                    </a:p>
+                  </a:txBody>
+                  <a:tcPr/>
+                </a:tc>
+                <a:tc>
+                  <a:txBody>
+                    <a:bodyPr/>
+                    <a:lstStyle/>
+                    <a:p>
+                      <a:r>
+                        <a:rPr lang="en-US" altLang="zh-CN" dirty="0" smtClean="0"/>
+                        <a:t>C922</a:t>
+                      </a:r>
+                      <a:endParaRPr lang="zh-CN" altLang="en-US" dirty="0"/>
+                    </a:p>
+                  </a:txBody>
+                  <a:tcPr/>
+                </a:tc>
+              </a:tr>
+              <a:tr h="387334">
+                <a:tc>
+                  <a:txBody>
+                    <a:bodyPr/>
+                    <a:lstStyle/>
+                    <a:p>
+                      <a:r>
+                        <a:rPr lang="zh-CN" altLang="en-US" dirty="0" smtClean="0"/>
+                        <a:t>颜色</a:t>
+                      </a:r>
+                      <a:endParaRPr lang="zh-CN" altLang="en-US" dirty="0"/>
+                    </a:p>
+                  </a:txBody>
+                  <a:tcPr/>
+                </a:tc>
+                <a:tc>
+                  <a:txBody>
+                    <a:bodyPr/>
+                    <a:lstStyle/>
+                    <a:p>
+                      <a:r>
+                        <a:rPr lang="zh-CN" altLang="en-US" dirty="0" smtClean="0"/>
+                        <a:t>黑色</a:t>
+                      </a:r>
+                      <a:endParaRPr lang="zh-CN" altLang="en-US" dirty="0"/>
+                    </a:p>
+                  </a:txBody>
+                  <a:tcPr/>
+                </a:tc>
+              </a:tr>
+              <a:tr h="387334">
+                <a:tc>
+                  <a:txBody>
+                    <a:bodyPr/>
+                    <a:lstStyle/>
+                    <a:p>
+                      <a:r>
+                        <a:rPr lang="zh-CN" altLang="en-US" dirty="0" smtClean="0"/>
+                        <a:t>接口</a:t>
+                      </a:r>
+                      <a:endParaRPr lang="zh-CN" altLang="en-US" dirty="0"/>
+                    </a:p>
+                  </a:txBody>
+                  <a:tcPr/>
+                </a:tc>
+                <a:tc>
+                  <a:txBody>
+                    <a:bodyPr/>
+                    <a:lstStyle/>
+                    <a:p>
+                      <a:r>
+                        <a:rPr lang="en-US" altLang="zh-CN" dirty="0" smtClean="0"/>
+                        <a:t>USB</a:t>
+                      </a:r>
+                      <a:endParaRPr lang="zh-CN" altLang="en-US" dirty="0"/>
+                    </a:p>
+                  </a:txBody>
+                  <a:tcPr/>
+                </a:tc>
+              </a:tr>
+              <a:tr h="1241590">
+                <a:tc>
+                  <a:txBody>
+                    <a:bodyPr/>
+                    <a:lstStyle/>
+                    <a:p>
+                      <a:r>
+                        <a:rPr lang="zh-CN" altLang="en-US" dirty="0" smtClean="0"/>
+                        <a:t>特性</a:t>
+                      </a:r>
+                      <a:endParaRPr lang="zh-CN" altLang="en-US" dirty="0"/>
+                    </a:p>
+                  </a:txBody>
+                  <a:tcPr/>
+                </a:tc>
+                <a:tc>
+                  <a:txBody>
+                    <a:bodyPr/>
+                    <a:lstStyle/>
+                    <a:p>
+                      <a:r>
+                        <a:rPr lang="en-US" altLang="zh-CN" dirty="0" smtClean="0"/>
+                        <a:t>1.1080P</a:t>
+                      </a:r>
+                      <a:r>
+                        <a:rPr lang="zh-CN" altLang="en-US" dirty="0" smtClean="0"/>
+                        <a:t>全高清</a:t>
+                      </a:r>
+                      <a:r>
+                        <a:rPr lang="zh-CN" altLang="en-US" baseline="0" dirty="0" smtClean="0"/>
+                        <a:t> </a:t>
+                      </a:r>
+                      <a:r>
+                        <a:rPr lang="en-US" altLang="zh-CN" dirty="0" smtClean="0"/>
+                        <a:t>2.</a:t>
+                      </a:r>
+                      <a:r>
+                        <a:rPr lang="zh-CN" altLang="en-US" dirty="0" smtClean="0"/>
+                        <a:t>背景更换</a:t>
+                      </a:r>
+                      <a:r>
+                        <a:rPr lang="en-US" altLang="zh-CN" dirty="0" smtClean="0"/>
+                        <a:t>3.</a:t>
+                      </a:r>
+                      <a:r>
+                        <a:rPr lang="zh-CN" altLang="en-US" dirty="0" smtClean="0"/>
+                        <a:t>精确调节的自动对焦功能 </a:t>
+                      </a:r>
+                      <a:r>
+                        <a:rPr lang="en-US" altLang="zh-CN" dirty="0" smtClean="0"/>
+                        <a:t>4.</a:t>
+                      </a:r>
+                      <a:r>
+                        <a:rPr lang="zh-CN" altLang="en-US" dirty="0" smtClean="0"/>
+                        <a:t>自动校正光线不足 </a:t>
+                      </a:r>
+                      <a:r>
+                        <a:rPr lang="en-US" altLang="zh-CN" dirty="0" smtClean="0"/>
+                        <a:t>5.</a:t>
+                      </a:r>
+                      <a:r>
+                        <a:rPr lang="zh-CN" altLang="en-US" dirty="0" smtClean="0"/>
+                        <a:t>双麦克风立体声音效 </a:t>
+                      </a:r>
+                      <a:r>
+                        <a:rPr lang="en-US" altLang="zh-CN" dirty="0" smtClean="0"/>
+                        <a:t>6.</a:t>
+                      </a:r>
+                      <a:r>
+                        <a:rPr lang="zh-CN" altLang="en-US" dirty="0" smtClean="0"/>
+                        <a:t>头戴式可调节支架</a:t>
+                      </a:r>
+                      <a:endParaRPr lang="zh-CN" altLang="en-US" dirty="0"/>
+                    </a:p>
+                  </a:txBody>
+                  <a:tcPr/>
+                </a:tc>
+              </a:tr>
+              <a:tr h="387334">
+                <a:tc>
+                  <a:txBody>
+                    <a:bodyPr/>
+                    <a:lstStyle/>
+                    <a:p>
+                      <a:endParaRPr lang="zh-CN" altLang="en-US" dirty="0"/>
+                    </a:p>
+                  </a:txBody>
+                  <a:tcPr/>
+                </a:tc>
+                <a:tc>
+                  <a:txBody>
+                    <a:bodyPr/>
+                    <a:lstStyle/>
+                    <a:p>
+                      <a:endParaRPr lang="zh-CN" altLang="en-US" dirty="0"/>
+                    </a:p>
+                  </a:txBody>
+                  <a:tcPr/>
+                </a:tc>
+              </a:tr>
+            </a:tbl>
+          </a:graphicData>
+        </a:graphic>
+      </p:graphicFrame>
     </p:spTree>
     <p:extLst>
       <p:ext uri="{BB962C8B-B14F-4D97-AF65-F5344CB8AC3E}">
-        <p14:creationId xmlns:p14="http://schemas.microsoft.com/office/powerpoint/2010/main" val="3474503800"/>
+        <p14:creationId xmlns:p14="http://schemas.microsoft.com/office/powerpoint/2010/main" val="3085415671"/>
       </p:ext>
     </p:extLst>
   </p:cSld>
@@ -3247,6 +5291,66 @@
       </p:grpSpPr>
       <p:pic>
         <p:nvPicPr>
+          <p:cNvPr id="6" name="图片 5"/>
+          <p:cNvPicPr>
+            <a:picLocks noChangeAspect="1"/>
+          </p:cNvPicPr>
+          <p:nvPr/>
+        </p:nvPicPr>
+        <p:blipFill>
+          <a:blip r:embed="rId2">
+            <a:extLst>
+              <a:ext uri="{28A0092B-C50C-407E-A947-70E740481C1C}">
+                <a14:useLocalDpi xmlns:a14="http://schemas.microsoft.com/office/drawing/2010/main" val="0"/>
+              </a:ext>
+            </a:extLst>
+          </a:blip>
+          <a:stretch>
+            <a:fillRect/>
+          </a:stretch>
+        </p:blipFill>
+        <p:spPr>
+          <a:xfrm>
+            <a:off x="4624578" y="785943"/>
+            <a:ext cx="7219950" cy="5657850"/>
+          </a:xfrm>
+          <a:prstGeom prst="rect">
+            <a:avLst/>
+          </a:prstGeom>
+        </p:spPr>
+      </p:pic>
+      <p:sp>
+        <p:nvSpPr>
+          <p:cNvPr id="4" name="文本框 3"/>
+          <p:cNvSpPr txBox="1"/>
+          <p:nvPr/>
+        </p:nvSpPr>
+        <p:spPr>
+          <a:xfrm>
+            <a:off x="5230368" y="201168"/>
+            <a:ext cx="2236510" cy="584775"/>
+          </a:xfrm>
+          <a:prstGeom prst="rect">
+            <a:avLst/>
+          </a:prstGeom>
+          <a:noFill/>
+        </p:spPr>
+        <p:txBody>
+          <a:bodyPr wrap="none" rtlCol="0">
+            <a:spAutoFit/>
+          </a:bodyPr>
+          <a:lstStyle/>
+          <a:p>
+            <a:r>
+              <a:rPr lang="zh-CN" altLang="en-US" sz="3200" dirty="0" smtClean="0"/>
+              <a:t>姿态感应器</a:t>
+            </a:r>
+            <a:endParaRPr lang="zh-CN" altLang="en-US" sz="3200" dirty="0"/>
+          </a:p>
+        </p:txBody>
+      </p:sp>
+      <p:pic>
+        <p:nvPicPr>
           <p:cNvPr id="5" name="图片 4"/>
           <p:cNvPicPr>
             <a:picLocks noChangeAspect="1"/>
@@ -3254,39 +5358,21 @@
           <p:nvPr/>
         </p:nvPicPr>
         <p:blipFill>
-          <a:blip r:embed="rId2"/>
+          <a:blip r:embed="rId3">
+            <a:extLst>
+              <a:ext uri="{28A0092B-C50C-407E-A947-70E740481C1C}">
+                <a14:useLocalDpi xmlns:a14="http://schemas.microsoft.com/office/drawing/2010/main" val="0"/>
+              </a:ext>
+            </a:extLst>
+          </a:blip>
           <a:stretch>
             <a:fillRect/>
           </a:stretch>
         </p:blipFill>
         <p:spPr>
           <a:xfrm>
-            <a:off x="0" y="1443790"/>
-            <a:ext cx="7533333" cy="5742857"/>
-          </a:xfrm>
-          <a:prstGeom prst="rect">
-            <a:avLst/>
-          </a:prstGeom>
-        </p:spPr>
-      </p:pic>
-      <p:pic>
-        <p:nvPicPr>
-          <p:cNvPr id="4" name="图片 3"/>
-          <p:cNvPicPr>
-            <a:picLocks noChangeAspect="1"/>
-          </p:cNvPicPr>
-          <p:nvPr/>
-        </p:nvPicPr>
-        <p:blipFill>
-          <a:blip r:embed="rId3"/>
-          <a:stretch>
-            <a:fillRect/>
-          </a:stretch>
-        </p:blipFill>
-        <p:spPr>
-          <a:xfrm>
-            <a:off x="3282336" y="0"/>
-            <a:ext cx="7552381" cy="2809524"/>
+            <a:off x="0" y="1792224"/>
+            <a:ext cx="5363523" cy="2651402"/>
           </a:xfrm>
           <a:prstGeom prst="rect">
             <a:avLst/>
@@ -3296,7 +5382,7 @@
     </p:spTree>
     <p:extLst>
       <p:ext uri="{BB962C8B-B14F-4D97-AF65-F5344CB8AC3E}">
-        <p14:creationId xmlns:p14="http://schemas.microsoft.com/office/powerpoint/2010/main" val="956782936"/>
+        <p14:creationId xmlns:p14="http://schemas.microsoft.com/office/powerpoint/2010/main" val="3076657657"/>
       </p:ext>
     </p:extLst>
   </p:cSld>
@@ -3332,60 +5418,865 @@
       </p:grpSpPr>
       <p:sp>
         <p:nvSpPr>
-          <p:cNvPr id="2" name="标题 1"/>
-          <p:cNvSpPr>
-            <a:spLocks noGrp="1"/>
-          </p:cNvSpPr>
-          <p:nvPr>
-            <p:ph type="title"/>
-          </p:nvPr>
+          <p:cNvPr id="4" name="文本框 3"/>
+          <p:cNvSpPr txBox="1"/>
+          <p:nvPr/>
         </p:nvSpPr>
-        <p:spPr/>
+        <p:spPr>
+          <a:xfrm>
+            <a:off x="249549" y="2849603"/>
+            <a:ext cx="2236510" cy="584775"/>
+          </a:xfrm>
+          <a:prstGeom prst="rect">
+            <a:avLst/>
+          </a:prstGeom>
+          <a:noFill/>
+        </p:spPr>
         <p:txBody>
-          <a:bodyPr/>
+          <a:bodyPr wrap="none" rtlCol="0">
+            <a:spAutoFit/>
+          </a:bodyPr>
           <a:lstStyle/>
           <a:p>
-            <a:endParaRPr lang="zh-CN" altLang="en-US"/>
+            <a:r>
+              <a:rPr lang="zh-CN" altLang="en-US" sz="3200" dirty="0" smtClean="0"/>
+              <a:t>姿态感应器</a:t>
+            </a:r>
+            <a:endParaRPr lang="zh-CN" altLang="en-US" sz="3200" dirty="0"/>
           </a:p>
         </p:txBody>
       </p:sp>
+      <p:graphicFrame>
+        <p:nvGraphicFramePr>
+          <p:cNvPr id="6" name="表格 5"/>
+          <p:cNvGraphicFramePr>
+            <a:graphicFrameLocks noGrp="1"/>
+          </p:cNvGraphicFramePr>
+          <p:nvPr>
+            <p:extLst>
+              <p:ext uri="{D42A27DB-BD31-4B8C-83A1-F6EECF244321}">
+                <p14:modId xmlns:p14="http://schemas.microsoft.com/office/powerpoint/2010/main" val="303252848"/>
+              </p:ext>
+            </p:extLst>
+          </p:nvPr>
+        </p:nvGraphicFramePr>
+        <p:xfrm>
+          <a:off x="2763520" y="0"/>
+          <a:ext cx="9178544" cy="6908624"/>
+        </p:xfrm>
+        <a:graphic>
+          <a:graphicData uri="http://schemas.openxmlformats.org/drawingml/2006/table">
+            <a:tbl>
+              <a:tblPr firstRow="1" bandRow="1">
+                <a:tableStyleId>{5C22544A-7EE6-4342-B048-85BDC9FD1C3A}</a:tableStyleId>
+              </a:tblPr>
+              <a:tblGrid>
+                <a:gridCol w="4589272"/>
+                <a:gridCol w="4589272"/>
+              </a:tblGrid>
+              <a:tr h="406378">
+                <a:tc>
+                  <a:txBody>
+                    <a:bodyPr/>
+                    <a:lstStyle/>
+                    <a:p>
+                      <a:r>
+                        <a:rPr lang="zh-CN" altLang="en-US" dirty="0" smtClean="0"/>
+                        <a:t>项目</a:t>
+                      </a:r>
+                      <a:endParaRPr lang="zh-CN" altLang="en-US" dirty="0"/>
+                    </a:p>
+                  </a:txBody>
+                  <a:tcPr/>
+                </a:tc>
+                <a:tc>
+                  <a:txBody>
+                    <a:bodyPr/>
+                    <a:lstStyle/>
+                    <a:p>
+                      <a:r>
+                        <a:rPr lang="zh-CN" altLang="en-US" dirty="0" smtClean="0"/>
+                        <a:t>说明</a:t>
+                      </a:r>
+                      <a:endParaRPr lang="zh-CN" altLang="en-US" dirty="0"/>
+                    </a:p>
+                  </a:txBody>
+                  <a:tcPr/>
+                </a:tc>
+              </a:tr>
+              <a:tr h="406378">
+                <a:tc>
+                  <a:txBody>
+                    <a:bodyPr/>
+                    <a:lstStyle/>
+                    <a:p>
+                      <a:r>
+                        <a:rPr lang="zh-CN" altLang="en-US" dirty="0" smtClean="0"/>
+                        <a:t>型号</a:t>
+                      </a:r>
+                      <a:endParaRPr lang="zh-CN" altLang="en-US" dirty="0"/>
+                    </a:p>
+                  </a:txBody>
+                  <a:tcPr/>
+                </a:tc>
+                <a:tc>
+                  <a:txBody>
+                    <a:bodyPr/>
+                    <a:lstStyle/>
+                    <a:p>
+                      <a:r>
+                        <a:rPr lang="en-US" altLang="zh-CN" dirty="0" smtClean="0"/>
+                        <a:t>JY901</a:t>
+                      </a:r>
+                      <a:endParaRPr lang="zh-CN" altLang="en-US" dirty="0"/>
+                    </a:p>
+                  </a:txBody>
+                  <a:tcPr/>
+                </a:tc>
+              </a:tr>
+              <a:tr h="406378">
+                <a:tc>
+                  <a:txBody>
+                    <a:bodyPr/>
+                    <a:lstStyle/>
+                    <a:p>
+                      <a:r>
+                        <a:rPr lang="zh-CN" altLang="en-US" dirty="0" smtClean="0"/>
+                        <a:t>电压</a:t>
+                      </a:r>
+                      <a:endParaRPr lang="zh-CN" altLang="en-US" dirty="0"/>
+                    </a:p>
+                  </a:txBody>
+                  <a:tcPr/>
+                </a:tc>
+                <a:tc>
+                  <a:txBody>
+                    <a:bodyPr/>
+                    <a:lstStyle/>
+                    <a:p>
+                      <a:pPr algn="l"/>
+                      <a:r>
+                        <a:rPr lang="en-US" altLang="zh-CN" dirty="0" smtClean="0">
+                          <a:latin typeface="+mn-ea"/>
+                          <a:ea typeface="+mn-ea"/>
+                        </a:rPr>
+                        <a:t>3.3V –</a:t>
+                      </a:r>
+                      <a:r>
+                        <a:rPr lang="en-US" altLang="zh-CN" baseline="0" dirty="0" smtClean="0">
+                          <a:latin typeface="+mn-ea"/>
+                          <a:ea typeface="+mn-ea"/>
+                        </a:rPr>
+                        <a:t> 5.0V</a:t>
+                      </a:r>
+                      <a:endParaRPr lang="zh-CN" altLang="en-US" b="0" dirty="0">
+                        <a:latin typeface="+mn-ea"/>
+                        <a:ea typeface="+mn-ea"/>
+                      </a:endParaRPr>
+                    </a:p>
+                  </a:txBody>
+                  <a:tcPr/>
+                </a:tc>
+              </a:tr>
+              <a:tr h="406378">
+                <a:tc>
+                  <a:txBody>
+                    <a:bodyPr/>
+                    <a:lstStyle/>
+                    <a:p>
+                      <a:r>
+                        <a:rPr lang="zh-CN" altLang="en-US" dirty="0" smtClean="0"/>
+                        <a:t>电流</a:t>
+                      </a:r>
+                      <a:endParaRPr lang="zh-CN" altLang="en-US" dirty="0"/>
+                    </a:p>
+                  </a:txBody>
+                  <a:tcPr/>
+                </a:tc>
+                <a:tc>
+                  <a:txBody>
+                    <a:bodyPr/>
+                    <a:lstStyle/>
+                    <a:p>
+                      <a:r>
+                        <a:rPr lang="en-US" altLang="zh-CN" dirty="0" smtClean="0"/>
+                        <a:t>&lt;</a:t>
+                      </a:r>
+                      <a:r>
+                        <a:rPr lang="en-US" altLang="zh-CN" baseline="0" dirty="0" smtClean="0"/>
+                        <a:t> 40mA</a:t>
+                      </a:r>
+                      <a:endParaRPr lang="zh-CN" altLang="en-US" dirty="0"/>
+                    </a:p>
+                  </a:txBody>
+                  <a:tcPr/>
+                </a:tc>
+              </a:tr>
+              <a:tr h="406378">
+                <a:tc>
+                  <a:txBody>
+                    <a:bodyPr/>
+                    <a:lstStyle/>
+                    <a:p>
+                      <a:r>
+                        <a:rPr lang="zh-CN" altLang="en-US" dirty="0" smtClean="0"/>
+                        <a:t>尺寸</a:t>
+                      </a:r>
+                      <a:endParaRPr lang="zh-CN" altLang="en-US" dirty="0"/>
+                    </a:p>
+                  </a:txBody>
+                  <a:tcPr/>
+                </a:tc>
+                <a:tc>
+                  <a:txBody>
+                    <a:bodyPr/>
+                    <a:lstStyle/>
+                    <a:p>
+                      <a:r>
+                        <a:rPr lang="en-US" altLang="zh-CN" dirty="0" smtClean="0"/>
+                        <a:t>61.2mm × 45.2mm ×27.8mm</a:t>
+                      </a:r>
+                      <a:endParaRPr lang="zh-CN" altLang="en-US" dirty="0"/>
+                    </a:p>
+                  </a:txBody>
+                  <a:tcPr/>
+                </a:tc>
+              </a:tr>
+              <a:tr h="406378">
+                <a:tc>
+                  <a:txBody>
+                    <a:bodyPr/>
+                    <a:lstStyle/>
+                    <a:p>
+                      <a:r>
+                        <a:rPr lang="zh-CN" altLang="en-US" dirty="0" smtClean="0"/>
+                        <a:t>测量维度</a:t>
+                      </a:r>
+                      <a:endParaRPr lang="zh-CN" altLang="en-US" dirty="0"/>
+                    </a:p>
+                  </a:txBody>
+                  <a:tcPr/>
+                </a:tc>
+                <a:tc>
+                  <a:txBody>
+                    <a:bodyPr/>
+                    <a:lstStyle/>
+                    <a:p>
+                      <a:r>
+                        <a:rPr lang="zh-CN" altLang="en-US" dirty="0" smtClean="0"/>
+                        <a:t>加速度：</a:t>
+                      </a:r>
+                      <a:r>
+                        <a:rPr lang="en-US" altLang="zh-CN" dirty="0" smtClean="0"/>
+                        <a:t>3</a:t>
+                      </a:r>
+                      <a:r>
+                        <a:rPr lang="zh-CN" altLang="en-US" dirty="0" smtClean="0"/>
+                        <a:t>维</a:t>
+                      </a:r>
+                      <a:r>
+                        <a:rPr lang="en-US" altLang="zh-CN" dirty="0" smtClean="0"/>
+                        <a:t>,</a:t>
+                      </a:r>
+                      <a:r>
+                        <a:rPr lang="zh-CN" altLang="en-US" dirty="0" smtClean="0"/>
+                        <a:t> 角速度：</a:t>
+                      </a:r>
+                      <a:r>
+                        <a:rPr lang="en-US" altLang="zh-CN" dirty="0" smtClean="0"/>
+                        <a:t>3</a:t>
+                      </a:r>
+                      <a:r>
+                        <a:rPr lang="zh-CN" altLang="en-US" dirty="0" smtClean="0"/>
+                        <a:t>维</a:t>
+                      </a:r>
+                      <a:r>
+                        <a:rPr lang="en-US" altLang="zh-CN" dirty="0" smtClean="0"/>
+                        <a:t>,</a:t>
+                      </a:r>
+                      <a:r>
+                        <a:rPr lang="zh-CN" altLang="en-US" dirty="0" smtClean="0"/>
+                        <a:t> 磁场：</a:t>
+                      </a:r>
+                      <a:r>
+                        <a:rPr lang="en-US" altLang="zh-CN" dirty="0" smtClean="0"/>
+                        <a:t>3</a:t>
+                      </a:r>
+                      <a:r>
+                        <a:rPr lang="zh-CN" altLang="en-US" dirty="0" smtClean="0"/>
+                        <a:t>维</a:t>
+                      </a:r>
+                      <a:r>
+                        <a:rPr lang="en-US" altLang="zh-CN" dirty="0" smtClean="0"/>
+                        <a:t>, </a:t>
+                      </a:r>
+                      <a:r>
+                        <a:rPr lang="zh-CN" altLang="en-US" dirty="0" smtClean="0"/>
+                        <a:t>角度：</a:t>
+                      </a:r>
+                      <a:r>
+                        <a:rPr lang="en-US" altLang="zh-CN" dirty="0" smtClean="0"/>
+                        <a:t>3</a:t>
+                      </a:r>
+                      <a:r>
+                        <a:rPr lang="zh-CN" altLang="en-US" dirty="0" smtClean="0"/>
+                        <a:t>维</a:t>
+                      </a:r>
+                      <a:r>
+                        <a:rPr lang="en-US" altLang="zh-CN" dirty="0" smtClean="0"/>
+                        <a:t>, </a:t>
+                      </a:r>
+                      <a:r>
+                        <a:rPr lang="zh-CN" altLang="en-US" dirty="0" smtClean="0"/>
+                        <a:t>气压：</a:t>
+                      </a:r>
+                      <a:r>
+                        <a:rPr lang="en-US" altLang="zh-CN" dirty="0" smtClean="0"/>
+                        <a:t>1</a:t>
+                      </a:r>
+                      <a:r>
+                        <a:rPr lang="zh-CN" altLang="en-US" dirty="0" smtClean="0"/>
+                        <a:t>维</a:t>
+                      </a:r>
+                      <a:r>
+                        <a:rPr lang="en-US" altLang="zh-CN" dirty="0" smtClean="0"/>
+                        <a:t>,</a:t>
+                      </a:r>
+                      <a:r>
+                        <a:rPr lang="en-US" altLang="zh-CN" baseline="0" dirty="0" smtClean="0"/>
+                        <a:t> GPS: 3</a:t>
+                      </a:r>
+                      <a:r>
+                        <a:rPr lang="zh-CN" altLang="en-US" baseline="0" dirty="0" smtClean="0"/>
+                        <a:t>维</a:t>
+                      </a:r>
+                      <a:endParaRPr lang="zh-CN" altLang="en-US" dirty="0"/>
+                    </a:p>
+                  </a:txBody>
+                  <a:tcPr/>
+                </a:tc>
+              </a:tr>
+              <a:tr h="406378">
+                <a:tc>
+                  <a:txBody>
+                    <a:bodyPr/>
+                    <a:lstStyle/>
+                    <a:p>
+                      <a:r>
+                        <a:rPr lang="zh-CN" altLang="en-US" dirty="0" smtClean="0"/>
+                        <a:t>量程</a:t>
+                      </a:r>
+                      <a:endParaRPr lang="zh-CN" altLang="en-US" dirty="0"/>
+                    </a:p>
+                  </a:txBody>
+                  <a:tcPr/>
+                </a:tc>
+                <a:tc>
+                  <a:txBody>
+                    <a:bodyPr/>
+                    <a:lstStyle/>
+                    <a:p>
+                      <a:r>
+                        <a:rPr lang="zh-CN" altLang="en-US" dirty="0" smtClean="0"/>
+                        <a:t>加速度：</a:t>
+                      </a:r>
+                      <a:r>
+                        <a:rPr lang="en-US" altLang="zh-CN" dirty="0" smtClean="0"/>
+                        <a:t>±16g,</a:t>
+                      </a:r>
+                      <a:r>
+                        <a:rPr lang="en-US" altLang="zh-CN" baseline="0" dirty="0" smtClean="0"/>
+                        <a:t> </a:t>
+                      </a:r>
+                      <a:r>
+                        <a:rPr lang="zh-CN" altLang="en-US" baseline="0" dirty="0" smtClean="0"/>
+                        <a:t>角速度：</a:t>
+                      </a:r>
+                      <a:r>
+                        <a:rPr lang="en-US" altLang="zh-CN" baseline="0" dirty="0" smtClean="0"/>
+                        <a:t>±2000° /s , </a:t>
+                      </a:r>
+                      <a:r>
+                        <a:rPr lang="zh-CN" altLang="en-US" baseline="0" dirty="0" smtClean="0"/>
+                        <a:t>角度：</a:t>
+                      </a:r>
+                      <a:r>
+                        <a:rPr lang="en-US" altLang="zh-CN" baseline="0" dirty="0" smtClean="0"/>
+                        <a:t>±180°</a:t>
+                      </a:r>
+                      <a:endParaRPr lang="zh-CN" altLang="en-US" dirty="0"/>
+                    </a:p>
+                  </a:txBody>
+                  <a:tcPr/>
+                </a:tc>
+              </a:tr>
+              <a:tr h="406378">
+                <a:tc>
+                  <a:txBody>
+                    <a:bodyPr/>
+                    <a:lstStyle/>
+                    <a:p>
+                      <a:r>
+                        <a:rPr lang="zh-CN" altLang="en-US" dirty="0" smtClean="0"/>
+                        <a:t>分辨率</a:t>
+                      </a:r>
+                      <a:endParaRPr lang="zh-CN" altLang="en-US" dirty="0"/>
+                    </a:p>
+                  </a:txBody>
+                  <a:tcPr/>
+                </a:tc>
+                <a:tc>
+                  <a:txBody>
+                    <a:bodyPr/>
+                    <a:lstStyle/>
+                    <a:p>
+                      <a:r>
+                        <a:rPr lang="zh-CN" altLang="en-US" dirty="0" smtClean="0"/>
+                        <a:t>加速度：</a:t>
+                      </a:r>
+                      <a:r>
+                        <a:rPr lang="en-US" altLang="zh-CN" dirty="0" smtClean="0"/>
+                        <a:t>6.1e-5g, </a:t>
+                      </a:r>
+                      <a:r>
+                        <a:rPr lang="zh-CN" altLang="en-US" dirty="0" smtClean="0"/>
+                        <a:t>角速度：</a:t>
+                      </a:r>
+                      <a:r>
+                        <a:rPr lang="en-US" altLang="zh-CN" dirty="0" smtClean="0"/>
+                        <a:t>7.6e</a:t>
+                      </a:r>
+                      <a:r>
+                        <a:rPr lang="en-US" altLang="zh-CN" baseline="0" dirty="0" smtClean="0"/>
+                        <a:t> – 3°/s</a:t>
+                      </a:r>
+                      <a:endParaRPr lang="zh-CN" altLang="en-US" dirty="0"/>
+                    </a:p>
+                  </a:txBody>
+                  <a:tcPr/>
+                </a:tc>
+              </a:tr>
+              <a:tr h="406378">
+                <a:tc>
+                  <a:txBody>
+                    <a:bodyPr/>
+                    <a:lstStyle/>
+                    <a:p>
+                      <a:r>
+                        <a:rPr lang="zh-CN" altLang="en-US" dirty="0" smtClean="0"/>
+                        <a:t>稳定性</a:t>
+                      </a:r>
+                      <a:endParaRPr lang="zh-CN" altLang="en-US" dirty="0"/>
+                    </a:p>
+                  </a:txBody>
+                  <a:tcPr/>
+                </a:tc>
+                <a:tc>
+                  <a:txBody>
+                    <a:bodyPr/>
+                    <a:lstStyle/>
+                    <a:p>
+                      <a:r>
+                        <a:rPr lang="zh-CN" altLang="en-US" dirty="0" smtClean="0"/>
+                        <a:t>加速度：</a:t>
+                      </a:r>
+                      <a:r>
+                        <a:rPr lang="en-US" altLang="zh-CN" dirty="0" smtClean="0"/>
+                        <a:t>0.01g, </a:t>
+                      </a:r>
+                      <a:r>
+                        <a:rPr lang="zh-CN" altLang="en-US" dirty="0" smtClean="0"/>
+                        <a:t>角速度：</a:t>
+                      </a:r>
+                      <a:r>
+                        <a:rPr lang="en-US" altLang="zh-CN" dirty="0" smtClean="0"/>
+                        <a:t>0.05°/s</a:t>
+                      </a:r>
+                      <a:endParaRPr lang="zh-CN" altLang="en-US" dirty="0"/>
+                    </a:p>
+                  </a:txBody>
+                  <a:tcPr/>
+                </a:tc>
+              </a:tr>
+              <a:tr h="406378">
+                <a:tc>
+                  <a:txBody>
+                    <a:bodyPr/>
+                    <a:lstStyle/>
+                    <a:p>
+                      <a:r>
+                        <a:rPr lang="zh-CN" altLang="en-US" dirty="0" smtClean="0"/>
+                        <a:t>测量误差</a:t>
+                      </a:r>
+                      <a:endParaRPr lang="zh-CN" altLang="en-US" dirty="0"/>
+                    </a:p>
+                  </a:txBody>
+                  <a:tcPr/>
+                </a:tc>
+                <a:tc>
+                  <a:txBody>
+                    <a:bodyPr/>
+                    <a:lstStyle/>
+                    <a:p>
+                      <a:r>
+                        <a:rPr lang="en-US" altLang="zh-CN" dirty="0" smtClean="0"/>
+                        <a:t>0.01°</a:t>
+                      </a:r>
+                      <a:endParaRPr lang="zh-CN" altLang="en-US" dirty="0"/>
+                    </a:p>
+                  </a:txBody>
+                  <a:tcPr/>
+                </a:tc>
+              </a:tr>
+              <a:tr h="406378">
+                <a:tc>
+                  <a:txBody>
+                    <a:bodyPr/>
+                    <a:lstStyle/>
+                    <a:p>
+                      <a:r>
+                        <a:rPr lang="zh-CN" altLang="en-US" dirty="0" smtClean="0"/>
+                        <a:t>输出内容</a:t>
+                      </a:r>
+                      <a:endParaRPr lang="zh-CN" altLang="en-US" dirty="0"/>
+                    </a:p>
+                  </a:txBody>
+                  <a:tcPr/>
+                </a:tc>
+                <a:tc>
+                  <a:txBody>
+                    <a:bodyPr/>
+                    <a:lstStyle/>
+                    <a:p>
+                      <a:r>
+                        <a:rPr lang="zh-CN" altLang="en-US" dirty="0" smtClean="0"/>
+                        <a:t>时间、加速度、角速度、角度、磁场、端口状态、气压</a:t>
+                      </a:r>
+                      <a:r>
+                        <a:rPr lang="en-US" altLang="zh-CN" dirty="0" smtClean="0"/>
+                        <a:t>(JY-91B)</a:t>
+                      </a:r>
+                      <a:r>
+                        <a:rPr lang="zh-CN" altLang="en-US" dirty="0" smtClean="0"/>
+                        <a:t>、高度</a:t>
+                      </a:r>
+                      <a:r>
+                        <a:rPr lang="en-US" altLang="zh-CN" dirty="0" smtClean="0"/>
+                        <a:t>(JY-91B)</a:t>
+                      </a:r>
+                      <a:r>
+                        <a:rPr lang="zh-CN" altLang="en-US" dirty="0" smtClean="0"/>
+                        <a:t>、经纬度</a:t>
+                      </a:r>
+                      <a:r>
+                        <a:rPr lang="en-US" altLang="zh-CN" dirty="0" smtClean="0"/>
+                        <a:t>(</a:t>
+                      </a:r>
+                      <a:r>
+                        <a:rPr lang="zh-CN" altLang="en-US" dirty="0" smtClean="0"/>
+                        <a:t>需连接</a:t>
+                      </a:r>
+                      <a:r>
+                        <a:rPr lang="en-US" altLang="zh-CN" dirty="0" smtClean="0"/>
+                        <a:t>GPS)</a:t>
+                      </a:r>
+                      <a:r>
+                        <a:rPr lang="zh-CN" altLang="en-US" dirty="0" smtClean="0"/>
+                        <a:t>、地速</a:t>
+                      </a:r>
+                      <a:r>
+                        <a:rPr lang="en-US" altLang="zh-CN" dirty="0" smtClean="0"/>
+                        <a:t>(</a:t>
+                      </a:r>
+                      <a:r>
+                        <a:rPr lang="zh-CN" altLang="en-US" dirty="0" smtClean="0"/>
+                        <a:t>需连接</a:t>
+                      </a:r>
+                      <a:r>
+                        <a:rPr lang="en-US" altLang="zh-CN" dirty="0" smtClean="0"/>
+                        <a:t>GPS)</a:t>
+                      </a:r>
+                      <a:r>
+                        <a:rPr lang="zh-CN" altLang="en-US" dirty="0" smtClean="0"/>
+                        <a:t>，数据输出频率 </a:t>
+                      </a:r>
+                      <a:r>
+                        <a:rPr lang="en-US" altLang="zh-CN" dirty="0" smtClean="0"/>
+                        <a:t>0.1Hz – 200Hz</a:t>
+                      </a:r>
+                      <a:endParaRPr lang="zh-CN" altLang="en-US" dirty="0"/>
+                    </a:p>
+                  </a:txBody>
+                  <a:tcPr/>
+                </a:tc>
+              </a:tr>
+              <a:tr h="406378">
+                <a:tc>
+                  <a:txBody>
+                    <a:bodyPr/>
+                    <a:lstStyle/>
+                    <a:p>
+                      <a:r>
+                        <a:rPr lang="zh-CN" altLang="en-US" dirty="0" smtClean="0"/>
+                        <a:t>数据接口</a:t>
+                      </a:r>
+                      <a:endParaRPr lang="zh-CN" altLang="en-US" dirty="0"/>
+                    </a:p>
+                  </a:txBody>
+                  <a:tcPr/>
+                </a:tc>
+                <a:tc>
+                  <a:txBody>
+                    <a:bodyPr/>
+                    <a:lstStyle/>
+                    <a:p>
+                      <a:r>
+                        <a:rPr lang="zh-CN" altLang="en-US" dirty="0" smtClean="0"/>
+                        <a:t>串口</a:t>
+                      </a:r>
+                      <a:r>
+                        <a:rPr lang="en-US" altLang="zh-CN" dirty="0" smtClean="0"/>
+                        <a:t>(TTL</a:t>
+                      </a:r>
+                      <a:r>
+                        <a:rPr lang="zh-CN" altLang="en-US" dirty="0" smtClean="0"/>
+                        <a:t>电平</a:t>
+                      </a:r>
+                      <a:r>
+                        <a:rPr lang="en-US" altLang="zh-CN" dirty="0" smtClean="0"/>
+                        <a:t>,</a:t>
+                      </a:r>
+                      <a:r>
+                        <a:rPr lang="en-US" altLang="zh-CN" baseline="0" dirty="0" smtClean="0"/>
+                        <a:t> </a:t>
+                      </a:r>
+                      <a:r>
+                        <a:rPr lang="zh-CN" altLang="en-US" baseline="0" dirty="0" smtClean="0"/>
+                        <a:t>波特率支持：</a:t>
+                      </a:r>
+                      <a:r>
+                        <a:rPr lang="en-US" altLang="zh-CN" baseline="0" dirty="0" smtClean="0"/>
+                        <a:t>2400</a:t>
+                      </a:r>
+                      <a:r>
+                        <a:rPr lang="zh-CN" altLang="en-US" baseline="0" dirty="0" smtClean="0"/>
+                        <a:t>、</a:t>
+                      </a:r>
+                      <a:r>
+                        <a:rPr lang="en-US" altLang="zh-CN" baseline="0" dirty="0" smtClean="0"/>
+                        <a:t>4800</a:t>
+                      </a:r>
+                      <a:r>
+                        <a:rPr lang="zh-CN" altLang="en-US" baseline="0" dirty="0" smtClean="0"/>
+                        <a:t>、</a:t>
+                      </a:r>
+                      <a:r>
+                        <a:rPr lang="en-US" altLang="zh-CN" baseline="0" dirty="0" smtClean="0"/>
+                        <a:t>9600</a:t>
+                      </a:r>
+                      <a:r>
+                        <a:rPr lang="zh-CN" altLang="en-US" baseline="0" dirty="0" smtClean="0"/>
+                        <a:t>、</a:t>
+                      </a:r>
+                      <a:r>
+                        <a:rPr lang="en-US" altLang="zh-CN" baseline="0" dirty="0" smtClean="0"/>
+                        <a:t>19200</a:t>
+                      </a:r>
+                      <a:r>
+                        <a:rPr lang="zh-CN" altLang="en-US" baseline="0" dirty="0" smtClean="0"/>
+                        <a:t>、</a:t>
+                      </a:r>
+                      <a:r>
+                        <a:rPr lang="en-US" altLang="zh-CN" baseline="0" dirty="0" smtClean="0"/>
+                        <a:t>38400</a:t>
+                      </a:r>
+                      <a:r>
+                        <a:rPr lang="zh-CN" altLang="en-US" baseline="0" dirty="0" smtClean="0"/>
+                        <a:t>、</a:t>
+                      </a:r>
+                      <a:r>
+                        <a:rPr lang="en-US" altLang="zh-CN" baseline="0" dirty="0" smtClean="0"/>
+                        <a:t>57600</a:t>
+                      </a:r>
+                      <a:r>
+                        <a:rPr lang="zh-CN" altLang="en-US" baseline="0" dirty="0" smtClean="0"/>
+                        <a:t>、</a:t>
+                      </a:r>
+                      <a:r>
+                        <a:rPr lang="en-US" altLang="zh-CN" baseline="0" dirty="0" smtClean="0"/>
+                        <a:t>115200</a:t>
+                      </a:r>
+                      <a:r>
+                        <a:rPr lang="zh-CN" altLang="en-US" baseline="0" dirty="0" smtClean="0"/>
+                        <a:t>、</a:t>
+                      </a:r>
+                      <a:r>
+                        <a:rPr lang="en-US" altLang="zh-CN" baseline="0" dirty="0" smtClean="0"/>
+                        <a:t>230400</a:t>
+                      </a:r>
+                      <a:r>
+                        <a:rPr lang="zh-CN" altLang="en-US" baseline="0" dirty="0" smtClean="0"/>
+                        <a:t>、</a:t>
+                      </a:r>
+                      <a:r>
+                        <a:rPr lang="en-US" altLang="zh-CN" baseline="0" dirty="0" smtClean="0"/>
+                        <a:t>921600</a:t>
+                      </a:r>
+                      <a:r>
+                        <a:rPr lang="en-US" altLang="zh-CN" dirty="0" smtClean="0"/>
+                        <a:t>)</a:t>
+                      </a:r>
+                      <a:r>
+                        <a:rPr lang="zh-CN" altLang="en-US" dirty="0" smtClean="0"/>
+                        <a:t>，</a:t>
+                      </a:r>
+                      <a:r>
+                        <a:rPr lang="en-US" altLang="zh-CN" dirty="0" smtClean="0"/>
+                        <a:t>12C(</a:t>
+                      </a:r>
+                      <a:r>
+                        <a:rPr lang="zh-CN" altLang="en-US" dirty="0" smtClean="0"/>
+                        <a:t>最大支持高速率</a:t>
+                      </a:r>
+                      <a:r>
+                        <a:rPr lang="en-US" altLang="zh-CN" dirty="0" smtClean="0"/>
+                        <a:t>400K)</a:t>
+                      </a:r>
+                      <a:endParaRPr lang="zh-CN" altLang="en-US" dirty="0"/>
+                    </a:p>
+                  </a:txBody>
+                  <a:tcPr/>
+                </a:tc>
+              </a:tr>
+            </a:tbl>
+          </a:graphicData>
+        </a:graphic>
+      </p:graphicFrame>
+    </p:spTree>
+    <p:extLst>
+      <p:ext uri="{BB962C8B-B14F-4D97-AF65-F5344CB8AC3E}">
+        <p14:creationId xmlns:p14="http://schemas.microsoft.com/office/powerpoint/2010/main" val="870208017"/>
+      </p:ext>
+    </p:extLst>
+  </p:cSld>
+  <p:clrMapOvr>
+    <a:masterClrMapping/>
+  </p:clrMapOvr>
+  <p:timing>
+    <p:tnLst>
+      <p:par>
+        <p:cTn id="1" dur="indefinite" restart="never" nodeType="tmRoot"/>
+      </p:par>
+    </p:tnLst>
+  </p:timing>
+</p:sld>
+</file>
+
+<file path=ppt/slides/slide5.xml><?xml version="1.0" encoding="utf-8"?>
+<p:sld xmlns:a="http://schemas.openxmlformats.org/drawingml/2006/main" xmlns:r="http://schemas.openxmlformats.org/officeDocument/2006/relationships" xmlns:p="http://schemas.openxmlformats.org/presentationml/2006/main">
+  <p:cSld>
+    <p:spTree>
+      <p:nvGrpSpPr>
+        <p:cNvPr id="1" name=""/>
+        <p:cNvGrpSpPr/>
+        <p:nvPr/>
+      </p:nvGrpSpPr>
+      <p:grpSpPr>
+        <a:xfrm>
+          <a:off x="0" y="0"/>
+          <a:ext cx="0" cy="0"/>
+          <a:chOff x="0" y="0"/>
+          <a:chExt cx="0" cy="0"/>
+        </a:xfrm>
+      </p:grpSpPr>
       <p:sp>
         <p:nvSpPr>
-          <p:cNvPr id="3" name="内容占位符 2"/>
-          <p:cNvSpPr>
-            <a:spLocks noGrp="1"/>
-          </p:cNvSpPr>
-          <p:nvPr>
-            <p:ph idx="1"/>
-          </p:nvPr>
+          <p:cNvPr id="4" name="文本框 3"/>
+          <p:cNvSpPr txBox="1"/>
+          <p:nvPr/>
         </p:nvSpPr>
-        <p:spPr/>
+        <p:spPr>
+          <a:xfrm>
+            <a:off x="5431536" y="0"/>
+            <a:ext cx="1665841" cy="584775"/>
+          </a:xfrm>
+          <a:prstGeom prst="rect">
+            <a:avLst/>
+          </a:prstGeom>
+          <a:noFill/>
+        </p:spPr>
         <p:txBody>
-          <a:bodyPr/>
+          <a:bodyPr wrap="none" rtlCol="0">
+            <a:spAutoFit/>
+          </a:bodyPr>
           <a:lstStyle/>
           <a:p>
-            <a:endParaRPr lang="zh-CN" altLang="en-US"/>
+            <a:r>
+              <a:rPr lang="en-US" altLang="zh-CN" sz="3200" dirty="0" smtClean="0"/>
+              <a:t>GPS</a:t>
+            </a:r>
+            <a:r>
+              <a:rPr lang="zh-CN" altLang="en-US" sz="3200" dirty="0" smtClean="0"/>
+              <a:t>模块</a:t>
+            </a:r>
+            <a:endParaRPr lang="zh-CN" altLang="en-US" sz="3200" dirty="0"/>
           </a:p>
         </p:txBody>
       </p:sp>
       <p:pic>
         <p:nvPicPr>
-          <p:cNvPr id="4" name="图片 3"/>
+          <p:cNvPr id="5" name="图片 4"/>
           <p:cNvPicPr>
             <a:picLocks noChangeAspect="1"/>
           </p:cNvPicPr>
           <p:nvPr/>
         </p:nvPicPr>
         <p:blipFill>
-          <a:blip r:embed="rId2"/>
+          <a:blip r:embed="rId2">
+            <a:extLst>
+              <a:ext uri="{28A0092B-C50C-407E-A947-70E740481C1C}">
+                <a14:useLocalDpi xmlns:a14="http://schemas.microsoft.com/office/drawing/2010/main" val="0"/>
+              </a:ext>
+            </a:extLst>
+          </a:blip>
           <a:stretch>
             <a:fillRect/>
           </a:stretch>
         </p:blipFill>
         <p:spPr>
           <a:xfrm>
-            <a:off x="1360523" y="101385"/>
-            <a:ext cx="7257143" cy="5933333"/>
+            <a:off x="608456" y="914400"/>
+            <a:ext cx="4655168" cy="3364933"/>
+          </a:xfrm>
+          <a:prstGeom prst="rect">
+            <a:avLst/>
+          </a:prstGeom>
+        </p:spPr>
+      </p:pic>
+      <p:pic>
+        <p:nvPicPr>
+          <p:cNvPr id="6" name="图片 5"/>
+          <p:cNvPicPr>
+            <a:picLocks noChangeAspect="1"/>
+          </p:cNvPicPr>
+          <p:nvPr/>
+        </p:nvPicPr>
+        <p:blipFill>
+          <a:blip r:embed="rId3">
+            <a:extLst>
+              <a:ext uri="{28A0092B-C50C-407E-A947-70E740481C1C}">
+                <a14:useLocalDpi xmlns:a14="http://schemas.microsoft.com/office/drawing/2010/main" val="0"/>
+              </a:ext>
+            </a:extLst>
+          </a:blip>
+          <a:stretch>
+            <a:fillRect/>
+          </a:stretch>
+        </p:blipFill>
+        <p:spPr>
+          <a:xfrm>
+            <a:off x="7496175" y="1135951"/>
+            <a:ext cx="2686050" cy="3781425"/>
           </a:xfrm>
           <a:prstGeom prst="rect">
             <a:avLst/>
@@ -3395,13 +6286,1526 @@
     </p:spTree>
     <p:extLst>
       <p:ext uri="{BB962C8B-B14F-4D97-AF65-F5344CB8AC3E}">
-        <p14:creationId xmlns:p14="http://schemas.microsoft.com/office/powerpoint/2010/main" val="681196492"/>
+        <p14:creationId xmlns:p14="http://schemas.microsoft.com/office/powerpoint/2010/main" val="3425893067"/>
       </p:ext>
     </p:extLst>
   </p:cSld>
   <p:clrMapOvr>
     <a:masterClrMapping/>
   </p:clrMapOvr>
+  <p:timing>
+    <p:tnLst>
+      <p:par>
+        <p:cTn id="1" dur="indefinite" restart="never" nodeType="tmRoot"/>
+      </p:par>
+    </p:tnLst>
+  </p:timing>
+</p:sld>
+</file>
+
+<file path=ppt/slides/slide6.xml><?xml version="1.0" encoding="utf-8"?>
+<p:sld xmlns:a="http://schemas.openxmlformats.org/drawingml/2006/main" xmlns:r="http://schemas.openxmlformats.org/officeDocument/2006/relationships" xmlns:p="http://schemas.openxmlformats.org/presentationml/2006/main">
+  <p:cSld>
+    <p:spTree>
+      <p:nvGrpSpPr>
+        <p:cNvPr id="1" name=""/>
+        <p:cNvGrpSpPr/>
+        <p:nvPr/>
+      </p:nvGrpSpPr>
+      <p:grpSpPr>
+        <a:xfrm>
+          <a:off x="0" y="0"/>
+          <a:ext cx="0" cy="0"/>
+          <a:chOff x="0" y="0"/>
+          <a:chExt cx="0" cy="0"/>
+        </a:xfrm>
+      </p:grpSpPr>
+      <p:sp>
+        <p:nvSpPr>
+          <p:cNvPr id="4" name="文本框 3"/>
+          <p:cNvSpPr txBox="1"/>
+          <p:nvPr/>
+        </p:nvSpPr>
+        <p:spPr>
+          <a:xfrm>
+            <a:off x="5431536" y="0"/>
+            <a:ext cx="1665841" cy="584775"/>
+          </a:xfrm>
+          <a:prstGeom prst="rect">
+            <a:avLst/>
+          </a:prstGeom>
+          <a:noFill/>
+        </p:spPr>
+        <p:txBody>
+          <a:bodyPr wrap="none" rtlCol="0">
+            <a:spAutoFit/>
+          </a:bodyPr>
+          <a:lstStyle/>
+          <a:p>
+            <a:r>
+              <a:rPr lang="en-US" altLang="zh-CN" sz="3200" dirty="0" smtClean="0"/>
+              <a:t>GPS</a:t>
+            </a:r>
+            <a:r>
+              <a:rPr lang="zh-CN" altLang="en-US" sz="3200" dirty="0" smtClean="0"/>
+              <a:t>模块</a:t>
+            </a:r>
+            <a:endParaRPr lang="zh-CN" altLang="en-US" sz="3200" dirty="0"/>
+          </a:p>
+        </p:txBody>
+      </p:sp>
+      <p:graphicFrame>
+        <p:nvGraphicFramePr>
+          <p:cNvPr id="5" name="表格 4"/>
+          <p:cNvGraphicFramePr>
+            <a:graphicFrameLocks noGrp="1"/>
+          </p:cNvGraphicFramePr>
+          <p:nvPr>
+            <p:extLst>
+              <p:ext uri="{D42A27DB-BD31-4B8C-83A1-F6EECF244321}">
+                <p14:modId xmlns:p14="http://schemas.microsoft.com/office/powerpoint/2010/main" val="3683533521"/>
+              </p:ext>
+            </p:extLst>
+          </p:nvPr>
+        </p:nvGraphicFramePr>
+        <p:xfrm>
+          <a:off x="658368" y="749365"/>
+          <a:ext cx="10936024" cy="5743450"/>
+        </p:xfrm>
+        <a:graphic>
+          <a:graphicData uri="http://schemas.openxmlformats.org/drawingml/2006/table">
+            <a:tbl>
+              <a:tblPr firstRow="1" bandRow="1">
+                <a:tableStyleId>{5C22544A-7EE6-4342-B048-85BDC9FD1C3A}</a:tableStyleId>
+              </a:tblPr>
+              <a:tblGrid>
+                <a:gridCol w="5468012"/>
+                <a:gridCol w="5468012"/>
+              </a:tblGrid>
+              <a:tr h="397414">
+                <a:tc>
+                  <a:txBody>
+                    <a:bodyPr/>
+                    <a:lstStyle/>
+                    <a:p>
+                      <a:r>
+                        <a:rPr lang="zh-CN" altLang="en-US" dirty="0" smtClean="0"/>
+                        <a:t>项目</a:t>
+                      </a:r>
+                      <a:endParaRPr lang="zh-CN" altLang="en-US" dirty="0"/>
+                    </a:p>
+                  </a:txBody>
+                  <a:tcPr/>
+                </a:tc>
+                <a:tc>
+                  <a:txBody>
+                    <a:bodyPr/>
+                    <a:lstStyle/>
+                    <a:p>
+                      <a:r>
+                        <a:rPr lang="zh-CN" altLang="en-US" dirty="0" smtClean="0"/>
+                        <a:t>说明</a:t>
+                      </a:r>
+                      <a:endParaRPr lang="zh-CN" altLang="en-US" dirty="0"/>
+                    </a:p>
+                  </a:txBody>
+                  <a:tcPr/>
+                </a:tc>
+              </a:tr>
+              <a:tr h="397414">
+                <a:tc>
+                  <a:txBody>
+                    <a:bodyPr/>
+                    <a:lstStyle/>
+                    <a:p>
+                      <a:r>
+                        <a:rPr lang="zh-CN" altLang="en-US" dirty="0" smtClean="0"/>
+                        <a:t>接口特性</a:t>
+                      </a:r>
+                      <a:endParaRPr lang="zh-CN" altLang="en-US" dirty="0"/>
+                    </a:p>
+                  </a:txBody>
+                  <a:tcPr/>
+                </a:tc>
+                <a:tc>
+                  <a:txBody>
+                    <a:bodyPr/>
+                    <a:lstStyle/>
+                    <a:p>
+                      <a:r>
+                        <a:rPr lang="en-US" altLang="zh-CN" dirty="0" smtClean="0"/>
+                        <a:t>TTL,</a:t>
+                      </a:r>
+                      <a:r>
+                        <a:rPr lang="zh-CN" altLang="en-US" dirty="0" smtClean="0"/>
+                        <a:t>兼容</a:t>
+                      </a:r>
+                      <a:r>
+                        <a:rPr lang="en-US" altLang="zh-CN" dirty="0" smtClean="0"/>
+                        <a:t>3.3V/5V</a:t>
+                      </a:r>
+                      <a:r>
+                        <a:rPr lang="zh-CN" altLang="en-US" dirty="0" smtClean="0"/>
+                        <a:t>单片机系统</a:t>
+                      </a:r>
+                      <a:endParaRPr lang="zh-CN" altLang="en-US" dirty="0"/>
+                    </a:p>
+                  </a:txBody>
+                  <a:tcPr/>
+                </a:tc>
+              </a:tr>
+              <a:tr h="685948">
+                <a:tc>
+                  <a:txBody>
+                    <a:bodyPr/>
+                    <a:lstStyle/>
+                    <a:p>
+                      <a:r>
+                        <a:rPr lang="zh-CN" altLang="en-US" dirty="0" smtClean="0"/>
+                        <a:t>接收特性</a:t>
+                      </a:r>
+                      <a:endParaRPr lang="zh-CN" altLang="en-US" dirty="0"/>
+                    </a:p>
+                  </a:txBody>
+                  <a:tcPr/>
+                </a:tc>
+                <a:tc>
+                  <a:txBody>
+                    <a:bodyPr/>
+                    <a:lstStyle/>
+                    <a:p>
+                      <a:r>
+                        <a:rPr lang="en-US" altLang="zh-CN" dirty="0" smtClean="0"/>
+                        <a:t>50</a:t>
+                      </a:r>
+                      <a:r>
+                        <a:rPr lang="zh-CN" altLang="en-US" dirty="0" smtClean="0"/>
+                        <a:t>通道，</a:t>
+                      </a:r>
+                      <a:r>
+                        <a:rPr lang="en-US" altLang="zh-CN" dirty="0" smtClean="0"/>
+                        <a:t>GPSL1(1575.42Mhz)c/a</a:t>
+                      </a:r>
+                      <a:r>
+                        <a:rPr lang="zh-CN" altLang="en-US" dirty="0" smtClean="0"/>
+                        <a:t>码，</a:t>
+                      </a:r>
+                      <a:r>
+                        <a:rPr lang="en-US" altLang="zh-CN" dirty="0" smtClean="0"/>
+                        <a:t>SBAS</a:t>
+                      </a:r>
+                      <a:r>
+                        <a:rPr lang="zh-CN" altLang="en-US" dirty="0" smtClean="0"/>
+                        <a:t>：</a:t>
+                      </a:r>
+                      <a:r>
+                        <a:rPr lang="en-US" altLang="zh-CN" dirty="0" smtClean="0"/>
+                        <a:t>WAAS/EGNOSM</a:t>
+                      </a:r>
+                      <a:endParaRPr lang="zh-CN" altLang="en-US" dirty="0"/>
+                    </a:p>
+                  </a:txBody>
+                  <a:tcPr/>
+                </a:tc>
+              </a:tr>
+              <a:tr h="397414">
+                <a:tc>
+                  <a:txBody>
+                    <a:bodyPr/>
+                    <a:lstStyle/>
+                    <a:p>
+                      <a:r>
+                        <a:rPr lang="zh-CN" altLang="en-US" dirty="0" smtClean="0"/>
+                        <a:t>定位精度</a:t>
+                      </a:r>
+                      <a:endParaRPr lang="zh-CN" altLang="en-US" dirty="0"/>
+                    </a:p>
+                  </a:txBody>
+                  <a:tcPr/>
+                </a:tc>
+                <a:tc>
+                  <a:txBody>
+                    <a:bodyPr/>
+                    <a:lstStyle/>
+                    <a:p>
+                      <a:r>
+                        <a:rPr lang="en-US" altLang="zh-CN" dirty="0" smtClean="0"/>
+                        <a:t>2.5mCEP(SBAS</a:t>
+                      </a:r>
+                      <a:r>
+                        <a:rPr lang="zh-CN" altLang="en-US" dirty="0" smtClean="0"/>
+                        <a:t>：</a:t>
+                      </a:r>
+                      <a:r>
+                        <a:rPr lang="en-US" altLang="zh-CN" dirty="0" smtClean="0"/>
+                        <a:t>2.0mCEP)</a:t>
+                      </a:r>
+                      <a:endParaRPr lang="zh-CN" altLang="en-US" dirty="0"/>
+                    </a:p>
+                  </a:txBody>
+                  <a:tcPr/>
+                </a:tc>
+              </a:tr>
+              <a:tr h="397414">
+                <a:tc>
+                  <a:txBody>
+                    <a:bodyPr/>
+                    <a:lstStyle/>
+                    <a:p>
+                      <a:r>
+                        <a:rPr lang="zh-CN" altLang="en-US" dirty="0" smtClean="0"/>
+                        <a:t>更新速率</a:t>
+                      </a:r>
+                      <a:endParaRPr lang="zh-CN" altLang="en-US" dirty="0"/>
+                    </a:p>
+                  </a:txBody>
+                  <a:tcPr/>
+                </a:tc>
+                <a:tc>
+                  <a:txBody>
+                    <a:bodyPr/>
+                    <a:lstStyle/>
+                    <a:p>
+                      <a:r>
+                        <a:rPr lang="zh-CN" altLang="en-US" dirty="0" smtClean="0"/>
+                        <a:t>最大</a:t>
+                      </a:r>
+                      <a:r>
+                        <a:rPr lang="en-US" altLang="zh-CN" dirty="0" smtClean="0"/>
+                        <a:t>5Hz</a:t>
+                      </a:r>
+                      <a:endParaRPr lang="zh-CN" altLang="en-US" dirty="0"/>
+                    </a:p>
+                  </a:txBody>
+                  <a:tcPr/>
+                </a:tc>
+              </a:tr>
+              <a:tr h="397414">
+                <a:tc rowSpan="3">
+                  <a:txBody>
+                    <a:bodyPr/>
+                    <a:lstStyle/>
+                    <a:p>
+                      <a:r>
+                        <a:rPr lang="zh-CN" altLang="en-US" dirty="0" smtClean="0"/>
+                        <a:t>捕获时间</a:t>
+                      </a:r>
+                      <a:endParaRPr lang="zh-CN" altLang="en-US" dirty="0"/>
+                    </a:p>
+                  </a:txBody>
+                  <a:tcPr/>
+                </a:tc>
+                <a:tc>
+                  <a:txBody>
+                    <a:bodyPr/>
+                    <a:lstStyle/>
+                    <a:p>
+                      <a:r>
+                        <a:rPr lang="zh-CN" altLang="en-US" dirty="0" smtClean="0"/>
+                        <a:t>冷启动：</a:t>
+                      </a:r>
+                      <a:r>
+                        <a:rPr lang="en-US" altLang="zh-CN" dirty="0" smtClean="0"/>
+                        <a:t>27s(</a:t>
+                      </a:r>
+                      <a:r>
+                        <a:rPr lang="zh-CN" altLang="en-US" dirty="0" smtClean="0"/>
+                        <a:t>最快</a:t>
+                      </a:r>
+                      <a:r>
+                        <a:rPr lang="en-US" altLang="zh-CN" dirty="0" smtClean="0"/>
+                        <a:t>)</a:t>
+                      </a:r>
+                      <a:endParaRPr lang="zh-CN" altLang="en-US" dirty="0"/>
+                    </a:p>
+                  </a:txBody>
+                  <a:tcPr/>
+                </a:tc>
+              </a:tr>
+              <a:tr h="397414">
+                <a:tc vMerge="1">
+                  <a:txBody>
+                    <a:bodyPr/>
+                    <a:lstStyle/>
+                    <a:p>
+                      <a:endParaRPr lang="zh-CN" altLang="en-US" dirty="0"/>
+                    </a:p>
+                  </a:txBody>
+                  <a:tcPr/>
+                </a:tc>
+                <a:tc>
+                  <a:txBody>
+                    <a:bodyPr/>
+                    <a:lstStyle/>
+                    <a:p>
+                      <a:r>
+                        <a:rPr lang="zh-CN" altLang="en-US" dirty="0" smtClean="0"/>
+                        <a:t>温启动：</a:t>
+                      </a:r>
+                      <a:r>
+                        <a:rPr lang="en-US" altLang="zh-CN" dirty="0" smtClean="0"/>
+                        <a:t>27s</a:t>
+                      </a:r>
+                      <a:endParaRPr lang="zh-CN" altLang="en-US" dirty="0"/>
+                    </a:p>
+                  </a:txBody>
+                  <a:tcPr/>
+                </a:tc>
+              </a:tr>
+              <a:tr h="397414">
+                <a:tc vMerge="1">
+                  <a:txBody>
+                    <a:bodyPr/>
+                    <a:lstStyle/>
+                    <a:p>
+                      <a:endParaRPr lang="zh-CN" altLang="en-US" dirty="0"/>
+                    </a:p>
+                  </a:txBody>
+                  <a:tcPr/>
+                </a:tc>
+                <a:tc>
+                  <a:txBody>
+                    <a:bodyPr/>
+                    <a:lstStyle/>
+                    <a:p>
+                      <a:r>
+                        <a:rPr lang="zh-CN" altLang="en-US" dirty="0" smtClean="0"/>
+                        <a:t>热启动：</a:t>
+                      </a:r>
+                      <a:r>
+                        <a:rPr lang="en-US" altLang="zh-CN" dirty="0" smtClean="0"/>
+                        <a:t>1s</a:t>
+                      </a:r>
+                      <a:endParaRPr lang="zh-CN" altLang="en-US" dirty="0"/>
+                    </a:p>
+                  </a:txBody>
+                  <a:tcPr/>
+                </a:tc>
+              </a:tr>
+              <a:tr h="397414">
+                <a:tc>
+                  <a:txBody>
+                    <a:bodyPr/>
+                    <a:lstStyle/>
+                    <a:p>
+                      <a:r>
+                        <a:rPr lang="zh-CN" altLang="en-US" dirty="0" smtClean="0"/>
+                        <a:t>捕获追踪灵敏度</a:t>
+                      </a:r>
+                      <a:endParaRPr lang="zh-CN" altLang="en-US" dirty="0"/>
+                    </a:p>
+                  </a:txBody>
+                  <a:tcPr/>
+                </a:tc>
+                <a:tc>
+                  <a:txBody>
+                    <a:bodyPr/>
+                    <a:lstStyle/>
+                    <a:p>
+                      <a:r>
+                        <a:rPr lang="en-US" altLang="zh-CN" dirty="0" smtClean="0"/>
+                        <a:t>-161dbm</a:t>
+                      </a:r>
+                      <a:endParaRPr lang="zh-CN" altLang="en-US" dirty="0"/>
+                    </a:p>
+                  </a:txBody>
+                  <a:tcPr/>
+                </a:tc>
+              </a:tr>
+              <a:tr h="397414">
+                <a:tc>
+                  <a:txBody>
+                    <a:bodyPr/>
+                    <a:lstStyle/>
+                    <a:p>
+                      <a:r>
+                        <a:rPr lang="zh-CN" altLang="en-US" dirty="0" smtClean="0"/>
+                        <a:t>通信协议</a:t>
+                      </a:r>
+                      <a:endParaRPr lang="zh-CN" altLang="en-US" dirty="0"/>
+                    </a:p>
+                  </a:txBody>
+                  <a:tcPr/>
+                </a:tc>
+                <a:tc>
+                  <a:txBody>
+                    <a:bodyPr/>
+                    <a:lstStyle/>
+                    <a:p>
+                      <a:r>
+                        <a:rPr lang="en-US" altLang="zh-CN" dirty="0" smtClean="0"/>
+                        <a:t>NMEA(</a:t>
+                      </a:r>
+                      <a:r>
+                        <a:rPr lang="zh-CN" altLang="en-US" dirty="0" smtClean="0"/>
+                        <a:t>默认</a:t>
+                      </a:r>
+                      <a:r>
+                        <a:rPr lang="en-US" altLang="zh-CN" dirty="0" smtClean="0"/>
+                        <a:t>)/UBX</a:t>
+                      </a:r>
+                      <a:r>
+                        <a:rPr lang="en-US" altLang="zh-CN" baseline="0" dirty="0" smtClean="0"/>
+                        <a:t> Binary</a:t>
+                      </a:r>
+                      <a:endParaRPr lang="zh-CN" altLang="en-US" dirty="0"/>
+                    </a:p>
+                  </a:txBody>
+                  <a:tcPr/>
+                </a:tc>
+              </a:tr>
+              <a:tr h="685948">
+                <a:tc>
+                  <a:txBody>
+                    <a:bodyPr/>
+                    <a:lstStyle/>
+                    <a:p>
+                      <a:r>
+                        <a:rPr lang="zh-CN" altLang="en-US" dirty="0" smtClean="0"/>
+                        <a:t>串口通信波特率</a:t>
+                      </a:r>
+                      <a:endParaRPr lang="zh-CN" altLang="en-US" dirty="0"/>
+                    </a:p>
+                  </a:txBody>
+                  <a:tcPr/>
+                </a:tc>
+                <a:tc>
+                  <a:txBody>
+                    <a:bodyPr/>
+                    <a:lstStyle/>
+                    <a:p>
+                      <a:r>
+                        <a:rPr lang="en-US" altLang="zh-CN" dirty="0" smtClean="0"/>
+                        <a:t>4800</a:t>
+                      </a:r>
+                      <a:r>
+                        <a:rPr lang="zh-CN" altLang="en-US" dirty="0" smtClean="0"/>
+                        <a:t>、</a:t>
+                      </a:r>
+                      <a:r>
+                        <a:rPr lang="en-US" altLang="zh-CN" dirty="0" smtClean="0"/>
+                        <a:t>9600(</a:t>
+                      </a:r>
+                      <a:r>
+                        <a:rPr lang="zh-CN" altLang="en-US" dirty="0" smtClean="0"/>
+                        <a:t>默认</a:t>
+                      </a:r>
+                      <a:r>
+                        <a:rPr lang="en-US" altLang="zh-CN" dirty="0" smtClean="0"/>
+                        <a:t>)</a:t>
+                      </a:r>
+                      <a:r>
+                        <a:rPr lang="zh-CN" altLang="en-US" dirty="0" smtClean="0"/>
+                        <a:t>、</a:t>
+                      </a:r>
+                      <a:r>
+                        <a:rPr lang="en-US" altLang="zh-CN" dirty="0" smtClean="0"/>
+                        <a:t>19200</a:t>
+                      </a:r>
+                      <a:r>
+                        <a:rPr lang="zh-CN" altLang="en-US" dirty="0" smtClean="0"/>
+                        <a:t>、</a:t>
+                      </a:r>
+                      <a:r>
+                        <a:rPr lang="en-US" altLang="zh-CN" dirty="0" smtClean="0"/>
+                        <a:t>38400</a:t>
+                      </a:r>
+                      <a:r>
+                        <a:rPr lang="zh-CN" altLang="en-US" dirty="0" smtClean="0"/>
+                        <a:t>、</a:t>
+                      </a:r>
+                      <a:r>
+                        <a:rPr lang="en-US" altLang="zh-CN" dirty="0" smtClean="0"/>
+                        <a:t>57600</a:t>
+                      </a:r>
+                      <a:r>
+                        <a:rPr lang="zh-CN" altLang="en-US" dirty="0" smtClean="0"/>
+                        <a:t>、</a:t>
+                      </a:r>
+                      <a:r>
+                        <a:rPr lang="en-US" altLang="zh-CN" dirty="0" smtClean="0"/>
+                        <a:t>115200</a:t>
+                      </a:r>
+                      <a:r>
+                        <a:rPr lang="zh-CN" altLang="en-US" dirty="0" smtClean="0"/>
+                        <a:t>、</a:t>
+                      </a:r>
+                      <a:r>
+                        <a:rPr lang="en-US" altLang="zh-CN" dirty="0" smtClean="0"/>
+                        <a:t>230400</a:t>
+                      </a:r>
+                      <a:endParaRPr lang="zh-CN" altLang="en-US" dirty="0"/>
+                    </a:p>
+                  </a:txBody>
+                  <a:tcPr/>
+                </a:tc>
+              </a:tr>
+              <a:tr h="397414">
+                <a:tc>
+                  <a:txBody>
+                    <a:bodyPr/>
+                    <a:lstStyle/>
+                    <a:p>
+                      <a:r>
+                        <a:rPr lang="zh-CN" altLang="en-US" dirty="0" smtClean="0"/>
+                        <a:t>工作温度</a:t>
+                      </a:r>
+                      <a:endParaRPr lang="zh-CN" altLang="en-US" dirty="0"/>
+                    </a:p>
+                  </a:txBody>
+                  <a:tcPr/>
+                </a:tc>
+                <a:tc>
+                  <a:txBody>
+                    <a:bodyPr/>
+                    <a:lstStyle/>
+                    <a:p>
+                      <a:r>
+                        <a:rPr lang="en-US" altLang="zh-CN" dirty="0" smtClean="0"/>
+                        <a:t>-40</a:t>
+                      </a:r>
+                      <a:r>
+                        <a:rPr lang="zh-CN" altLang="en-US" dirty="0" smtClean="0"/>
+                        <a:t>℃</a:t>
+                      </a:r>
+                      <a:r>
+                        <a:rPr lang="en-US" altLang="zh-CN" dirty="0" smtClean="0"/>
+                        <a:t>~85</a:t>
+                      </a:r>
+                      <a:r>
+                        <a:rPr lang="zh-CN" altLang="en-US" dirty="0" smtClean="0"/>
+                        <a:t>℃</a:t>
+                      </a:r>
+                      <a:endParaRPr lang="zh-CN" altLang="en-US" dirty="0"/>
+                    </a:p>
+                  </a:txBody>
+                  <a:tcPr/>
+                </a:tc>
+              </a:tr>
+              <a:tr h="397414">
+                <a:tc>
+                  <a:txBody>
+                    <a:bodyPr/>
+                    <a:lstStyle/>
+                    <a:p>
+                      <a:r>
+                        <a:rPr lang="zh-CN" altLang="en-US" dirty="0" smtClean="0"/>
+                        <a:t>模块尺寸</a:t>
+                      </a:r>
+                      <a:endParaRPr lang="zh-CN" altLang="en-US" dirty="0"/>
+                    </a:p>
+                  </a:txBody>
+                  <a:tcPr/>
+                </a:tc>
+                <a:tc>
+                  <a:txBody>
+                    <a:bodyPr/>
+                    <a:lstStyle/>
+                    <a:p>
+                      <a:r>
+                        <a:rPr lang="en-US" altLang="zh-CN" dirty="0" smtClean="0"/>
+                        <a:t>25.5mm × 31mm</a:t>
+                      </a:r>
+                      <a:endParaRPr lang="zh-CN" altLang="en-US" dirty="0"/>
+                    </a:p>
+                  </a:txBody>
+                  <a:tcPr/>
+                </a:tc>
+              </a:tr>
+            </a:tbl>
+          </a:graphicData>
+        </a:graphic>
+      </p:graphicFrame>
+    </p:spTree>
+    <p:extLst>
+      <p:ext uri="{BB962C8B-B14F-4D97-AF65-F5344CB8AC3E}">
+        <p14:creationId xmlns:p14="http://schemas.microsoft.com/office/powerpoint/2010/main" val="2457012565"/>
+      </p:ext>
+    </p:extLst>
+  </p:cSld>
+  <p:clrMapOvr>
+    <a:masterClrMapping/>
+  </p:clrMapOvr>
+  <p:timing>
+    <p:tnLst>
+      <p:par>
+        <p:cTn id="1" dur="indefinite" restart="never" nodeType="tmRoot"/>
+      </p:par>
+    </p:tnLst>
+  </p:timing>
+</p:sld>
+</file>
+
+<file path=ppt/slides/slide7.xml><?xml version="1.0" encoding="utf-8"?>
+<p:sld xmlns:a="http://schemas.openxmlformats.org/drawingml/2006/main" xmlns:r="http://schemas.openxmlformats.org/officeDocument/2006/relationships" xmlns:p="http://schemas.openxmlformats.org/presentationml/2006/main">
+  <p:cSld>
+    <p:spTree>
+      <p:nvGrpSpPr>
+        <p:cNvPr id="1" name=""/>
+        <p:cNvGrpSpPr/>
+        <p:nvPr/>
+      </p:nvGrpSpPr>
+      <p:grpSpPr>
+        <a:xfrm>
+          <a:off x="0" y="0"/>
+          <a:ext cx="0" cy="0"/>
+          <a:chOff x="0" y="0"/>
+          <a:chExt cx="0" cy="0"/>
+        </a:xfrm>
+      </p:grpSpPr>
+      <p:sp>
+        <p:nvSpPr>
+          <p:cNvPr id="4" name="文本框 3"/>
+          <p:cNvSpPr txBox="1"/>
+          <p:nvPr/>
+        </p:nvSpPr>
+        <p:spPr>
+          <a:xfrm>
+            <a:off x="5742432" y="274320"/>
+            <a:ext cx="1826141" cy="584775"/>
+          </a:xfrm>
+          <a:prstGeom prst="rect">
+            <a:avLst/>
+          </a:prstGeom>
+          <a:noFill/>
+        </p:spPr>
+        <p:txBody>
+          <a:bodyPr wrap="none" rtlCol="0">
+            <a:spAutoFit/>
+          </a:bodyPr>
+          <a:lstStyle/>
+          <a:p>
+            <a:r>
+              <a:rPr lang="zh-CN" altLang="en-US" sz="3200" dirty="0"/>
+              <a:t>蓝</a:t>
+            </a:r>
+            <a:r>
+              <a:rPr lang="zh-CN" altLang="en-US" sz="3200" dirty="0" smtClean="0"/>
+              <a:t>牙模块</a:t>
+            </a:r>
+            <a:endParaRPr lang="zh-CN" altLang="en-US" sz="3200" dirty="0"/>
+          </a:p>
+        </p:txBody>
+      </p:sp>
+      <p:pic>
+        <p:nvPicPr>
+          <p:cNvPr id="5" name="图片 4"/>
+          <p:cNvPicPr>
+            <a:picLocks noChangeAspect="1"/>
+          </p:cNvPicPr>
+          <p:nvPr/>
+        </p:nvPicPr>
+        <p:blipFill>
+          <a:blip r:embed="rId2">
+            <a:extLst>
+              <a:ext uri="{28A0092B-C50C-407E-A947-70E740481C1C}">
+                <a14:useLocalDpi xmlns:a14="http://schemas.microsoft.com/office/drawing/2010/main" val="0"/>
+              </a:ext>
+            </a:extLst>
+          </a:blip>
+          <a:stretch>
+            <a:fillRect/>
+          </a:stretch>
+        </p:blipFill>
+        <p:spPr>
+          <a:xfrm>
+            <a:off x="3308679" y="1431278"/>
+            <a:ext cx="6365673" cy="4693725"/>
+          </a:xfrm>
+          <a:prstGeom prst="rect">
+            <a:avLst/>
+          </a:prstGeom>
+        </p:spPr>
+      </p:pic>
+    </p:spTree>
+    <p:extLst>
+      <p:ext uri="{BB962C8B-B14F-4D97-AF65-F5344CB8AC3E}">
+        <p14:creationId xmlns:p14="http://schemas.microsoft.com/office/powerpoint/2010/main" val="3467859715"/>
+      </p:ext>
+    </p:extLst>
+  </p:cSld>
+  <p:clrMapOvr>
+    <a:masterClrMapping/>
+  </p:clrMapOvr>
+  <p:timing>
+    <p:tnLst>
+      <p:par>
+        <p:cTn id="1" dur="indefinite" restart="never" nodeType="tmRoot"/>
+      </p:par>
+    </p:tnLst>
+  </p:timing>
+</p:sld>
+</file>
+
+<file path=ppt/slides/slide8.xml><?xml version="1.0" encoding="utf-8"?>
+<p:sld xmlns:a="http://schemas.openxmlformats.org/drawingml/2006/main" xmlns:r="http://schemas.openxmlformats.org/officeDocument/2006/relationships" xmlns:p="http://schemas.openxmlformats.org/presentationml/2006/main">
+  <p:cSld>
+    <p:spTree>
+      <p:nvGrpSpPr>
+        <p:cNvPr id="1" name=""/>
+        <p:cNvGrpSpPr/>
+        <p:nvPr/>
+      </p:nvGrpSpPr>
+      <p:grpSpPr>
+        <a:xfrm>
+          <a:off x="0" y="0"/>
+          <a:ext cx="0" cy="0"/>
+          <a:chOff x="0" y="0"/>
+          <a:chExt cx="0" cy="0"/>
+        </a:xfrm>
+      </p:grpSpPr>
+      <p:sp>
+        <p:nvSpPr>
+          <p:cNvPr id="4" name="文本框 3"/>
+          <p:cNvSpPr txBox="1"/>
+          <p:nvPr/>
+        </p:nvSpPr>
+        <p:spPr>
+          <a:xfrm>
+            <a:off x="5137264" y="149629"/>
+            <a:ext cx="1826141" cy="584775"/>
+          </a:xfrm>
+          <a:prstGeom prst="rect">
+            <a:avLst/>
+          </a:prstGeom>
+          <a:noFill/>
+        </p:spPr>
+        <p:txBody>
+          <a:bodyPr wrap="none" rtlCol="0">
+            <a:spAutoFit/>
+          </a:bodyPr>
+          <a:lstStyle/>
+          <a:p>
+            <a:r>
+              <a:rPr lang="zh-CN" altLang="en-US" sz="3200" dirty="0" smtClean="0"/>
+              <a:t>蓝牙模块</a:t>
+            </a:r>
+            <a:endParaRPr lang="zh-CN" altLang="en-US" sz="3200" dirty="0"/>
+          </a:p>
+        </p:txBody>
+      </p:sp>
+      <p:graphicFrame>
+        <p:nvGraphicFramePr>
+          <p:cNvPr id="5" name="表格 4"/>
+          <p:cNvGraphicFramePr>
+            <a:graphicFrameLocks noGrp="1"/>
+          </p:cNvGraphicFramePr>
+          <p:nvPr>
+            <p:extLst>
+              <p:ext uri="{D42A27DB-BD31-4B8C-83A1-F6EECF244321}">
+                <p14:modId xmlns:p14="http://schemas.microsoft.com/office/powerpoint/2010/main" val="3989516916"/>
+              </p:ext>
+            </p:extLst>
+          </p:nvPr>
+        </p:nvGraphicFramePr>
+        <p:xfrm>
+          <a:off x="897774" y="1330036"/>
+          <a:ext cx="10474036" cy="4695768"/>
+        </p:xfrm>
+        <a:graphic>
+          <a:graphicData uri="http://schemas.openxmlformats.org/drawingml/2006/table">
+            <a:tbl>
+              <a:tblPr firstRow="1" bandRow="1">
+                <a:tableStyleId>{5C22544A-7EE6-4342-B048-85BDC9FD1C3A}</a:tableStyleId>
+              </a:tblPr>
+              <a:tblGrid>
+                <a:gridCol w="2618509"/>
+                <a:gridCol w="2618509"/>
+                <a:gridCol w="2618509"/>
+                <a:gridCol w="2618509"/>
+              </a:tblGrid>
+              <a:tr h="341744">
+                <a:tc>
+                  <a:txBody>
+                    <a:bodyPr/>
+                    <a:lstStyle/>
+                    <a:p>
+                      <a:r>
+                        <a:rPr lang="zh-CN" altLang="en-US" dirty="0" smtClean="0"/>
+                        <a:t>参数名称</a:t>
+                      </a:r>
+                      <a:endParaRPr lang="zh-CN" altLang="en-US" dirty="0"/>
+                    </a:p>
+                  </a:txBody>
+                  <a:tcPr/>
+                </a:tc>
+                <a:tc>
+                  <a:txBody>
+                    <a:bodyPr/>
+                    <a:lstStyle/>
+                    <a:p>
+                      <a:r>
+                        <a:rPr lang="zh-CN" altLang="en-US" dirty="0" smtClean="0"/>
+                        <a:t>参数值</a:t>
+                      </a:r>
+                      <a:endParaRPr lang="zh-CN" altLang="en-US" dirty="0"/>
+                    </a:p>
+                  </a:txBody>
+                  <a:tcPr/>
+                </a:tc>
+                <a:tc>
+                  <a:txBody>
+                    <a:bodyPr/>
+                    <a:lstStyle/>
+                    <a:p>
+                      <a:r>
+                        <a:rPr lang="zh-CN" altLang="en-US" dirty="0" smtClean="0"/>
+                        <a:t>参数名称</a:t>
+                      </a:r>
+                      <a:endParaRPr lang="zh-CN" altLang="en-US" dirty="0"/>
+                    </a:p>
+                  </a:txBody>
+                  <a:tcPr/>
+                </a:tc>
+                <a:tc>
+                  <a:txBody>
+                    <a:bodyPr/>
+                    <a:lstStyle/>
+                    <a:p>
+                      <a:r>
+                        <a:rPr lang="zh-CN" altLang="en-US" dirty="0" smtClean="0"/>
+                        <a:t>参数值</a:t>
+                      </a:r>
+                      <a:endParaRPr lang="zh-CN" altLang="en-US" dirty="0"/>
+                    </a:p>
+                  </a:txBody>
+                  <a:tcPr/>
+                </a:tc>
+              </a:tr>
+              <a:tr h="541251">
+                <a:tc>
+                  <a:txBody>
+                    <a:bodyPr/>
+                    <a:lstStyle/>
+                    <a:p>
+                      <a:r>
+                        <a:rPr lang="zh-CN" altLang="en-US" dirty="0" smtClean="0"/>
+                        <a:t>型号</a:t>
+                      </a:r>
+                      <a:endParaRPr lang="zh-CN" altLang="en-US" dirty="0"/>
+                    </a:p>
+                  </a:txBody>
+                  <a:tcPr/>
+                </a:tc>
+                <a:tc>
+                  <a:txBody>
+                    <a:bodyPr/>
+                    <a:lstStyle/>
+                    <a:p>
+                      <a:r>
+                        <a:rPr lang="en-US" altLang="zh-CN" dirty="0" smtClean="0"/>
+                        <a:t>HC-06</a:t>
+                      </a:r>
+                      <a:endParaRPr lang="zh-CN" altLang="en-US" dirty="0"/>
+                    </a:p>
+                  </a:txBody>
+                  <a:tcPr/>
+                </a:tc>
+                <a:tc>
+                  <a:txBody>
+                    <a:bodyPr/>
+                    <a:lstStyle/>
+                    <a:p>
+                      <a:r>
+                        <a:rPr lang="zh-CN" altLang="en-US" dirty="0" smtClean="0"/>
+                        <a:t>模块尺寸</a:t>
+                      </a:r>
+                      <a:endParaRPr lang="zh-CN" altLang="en-US" dirty="0"/>
+                    </a:p>
+                  </a:txBody>
+                  <a:tcPr/>
+                </a:tc>
+                <a:tc>
+                  <a:txBody>
+                    <a:bodyPr/>
+                    <a:lstStyle/>
+                    <a:p>
+                      <a:r>
+                        <a:rPr lang="en-US" altLang="zh-CN" dirty="0" smtClean="0"/>
+                        <a:t>27mm × 13mm</a:t>
+                      </a:r>
+                      <a:endParaRPr lang="zh-CN" altLang="en-US" dirty="0"/>
+                    </a:p>
+                  </a:txBody>
+                  <a:tcPr/>
+                </a:tc>
+              </a:tr>
+              <a:tr h="541251">
+                <a:tc>
+                  <a:txBody>
+                    <a:bodyPr/>
+                    <a:lstStyle/>
+                    <a:p>
+                      <a:r>
+                        <a:rPr lang="zh-CN" altLang="en-US" dirty="0" smtClean="0"/>
+                        <a:t>工作频段</a:t>
+                      </a:r>
+                      <a:endParaRPr lang="zh-CN" altLang="en-US" dirty="0"/>
+                    </a:p>
+                  </a:txBody>
+                  <a:tcPr/>
+                </a:tc>
+                <a:tc>
+                  <a:txBody>
+                    <a:bodyPr/>
+                    <a:lstStyle/>
+                    <a:p>
+                      <a:r>
+                        <a:rPr lang="en-US" altLang="zh-CN" dirty="0" smtClean="0"/>
+                        <a:t>2.4G</a:t>
+                      </a:r>
+                      <a:endParaRPr lang="zh-CN" altLang="en-US" dirty="0"/>
+                    </a:p>
+                  </a:txBody>
+                  <a:tcPr/>
+                </a:tc>
+                <a:tc>
+                  <a:txBody>
+                    <a:bodyPr/>
+                    <a:lstStyle/>
+                    <a:p>
+                      <a:r>
+                        <a:rPr lang="zh-CN" altLang="en-US" dirty="0" smtClean="0"/>
+                        <a:t>空中速率</a:t>
+                      </a:r>
+                      <a:endParaRPr lang="zh-CN" altLang="en-US" dirty="0"/>
+                    </a:p>
+                  </a:txBody>
+                  <a:tcPr/>
+                </a:tc>
+                <a:tc>
+                  <a:txBody>
+                    <a:bodyPr/>
+                    <a:lstStyle/>
+                    <a:p>
+                      <a:r>
+                        <a:rPr lang="en-US" altLang="zh-CN" dirty="0" smtClean="0"/>
+                        <a:t>2Mbps</a:t>
+                      </a:r>
+                      <a:endParaRPr lang="zh-CN" altLang="en-US" dirty="0"/>
+                    </a:p>
+                  </a:txBody>
+                  <a:tcPr/>
+                </a:tc>
+              </a:tr>
+              <a:tr h="541251">
+                <a:tc>
+                  <a:txBody>
+                    <a:bodyPr/>
+                    <a:lstStyle/>
+                    <a:p>
+                      <a:r>
+                        <a:rPr lang="zh-CN" altLang="en-US" dirty="0" smtClean="0"/>
+                        <a:t>通讯接口</a:t>
+                      </a:r>
+                      <a:endParaRPr lang="zh-CN" altLang="en-US" dirty="0"/>
+                    </a:p>
+                  </a:txBody>
+                  <a:tcPr/>
+                </a:tc>
+                <a:tc>
+                  <a:txBody>
+                    <a:bodyPr/>
+                    <a:lstStyle/>
+                    <a:p>
+                      <a:r>
+                        <a:rPr lang="en-US" altLang="zh-CN" dirty="0" smtClean="0"/>
+                        <a:t>UART3.3V TTL</a:t>
+                      </a:r>
+                      <a:r>
+                        <a:rPr lang="zh-CN" altLang="en-US" dirty="0" smtClean="0"/>
+                        <a:t>电平</a:t>
+                      </a:r>
+                      <a:endParaRPr lang="zh-CN" altLang="en-US" dirty="0"/>
+                    </a:p>
+                  </a:txBody>
+                  <a:tcPr/>
+                </a:tc>
+                <a:tc>
+                  <a:txBody>
+                    <a:bodyPr/>
+                    <a:lstStyle/>
+                    <a:p>
+                      <a:r>
+                        <a:rPr lang="zh-CN" altLang="en-US" dirty="0" smtClean="0"/>
+                        <a:t>天线接口</a:t>
+                      </a:r>
+                      <a:endParaRPr lang="zh-CN" altLang="en-US" dirty="0"/>
+                    </a:p>
+                  </a:txBody>
+                  <a:tcPr/>
+                </a:tc>
+                <a:tc>
+                  <a:txBody>
+                    <a:bodyPr/>
+                    <a:lstStyle/>
+                    <a:p>
+                      <a:r>
+                        <a:rPr lang="zh-CN" altLang="en-US" dirty="0" smtClean="0"/>
+                        <a:t>内置</a:t>
+                      </a:r>
+                      <a:r>
+                        <a:rPr lang="en-US" altLang="zh-CN" dirty="0" smtClean="0"/>
+                        <a:t>PCB</a:t>
+                      </a:r>
+                      <a:r>
+                        <a:rPr lang="zh-CN" altLang="en-US" dirty="0" smtClean="0"/>
+                        <a:t>天线</a:t>
+                      </a:r>
+                      <a:endParaRPr lang="zh-CN" altLang="en-US" dirty="0"/>
+                    </a:p>
+                  </a:txBody>
+                  <a:tcPr/>
+                </a:tc>
+              </a:tr>
+              <a:tr h="541251">
+                <a:tc>
+                  <a:txBody>
+                    <a:bodyPr/>
+                    <a:lstStyle/>
+                    <a:p>
+                      <a:r>
+                        <a:rPr lang="zh-CN" altLang="en-US" dirty="0" smtClean="0"/>
+                        <a:t>工作电压</a:t>
+                      </a:r>
+                      <a:endParaRPr lang="zh-CN" altLang="en-US" dirty="0"/>
+                    </a:p>
+                  </a:txBody>
+                  <a:tcPr/>
+                </a:tc>
+                <a:tc>
+                  <a:txBody>
+                    <a:bodyPr/>
+                    <a:lstStyle/>
+                    <a:p>
+                      <a:r>
+                        <a:rPr lang="en-US" altLang="zh-CN" dirty="0" smtClean="0"/>
+                        <a:t>3.0V ~ 3.6V</a:t>
+                      </a:r>
+                      <a:endParaRPr lang="zh-CN" altLang="en-US" dirty="0"/>
+                    </a:p>
+                  </a:txBody>
+                  <a:tcPr/>
+                </a:tc>
+                <a:tc>
+                  <a:txBody>
+                    <a:bodyPr/>
+                    <a:lstStyle/>
+                    <a:p>
+                      <a:r>
+                        <a:rPr lang="zh-CN" altLang="en-US" dirty="0" smtClean="0"/>
+                        <a:t>通信电流</a:t>
+                      </a:r>
+                      <a:endParaRPr lang="zh-CN" altLang="en-US" dirty="0"/>
+                    </a:p>
+                  </a:txBody>
+                  <a:tcPr/>
+                </a:tc>
+                <a:tc>
+                  <a:txBody>
+                    <a:bodyPr/>
+                    <a:lstStyle/>
+                    <a:p>
+                      <a:r>
+                        <a:rPr lang="en-US" altLang="zh-CN" dirty="0" smtClean="0"/>
+                        <a:t>40mA</a:t>
+                      </a:r>
+                      <a:endParaRPr lang="zh-CN" altLang="en-US" dirty="0"/>
+                    </a:p>
+                  </a:txBody>
+                  <a:tcPr/>
+                </a:tc>
+              </a:tr>
+              <a:tr h="541251">
+                <a:tc>
+                  <a:txBody>
+                    <a:bodyPr/>
+                    <a:lstStyle/>
+                    <a:p>
+                      <a:r>
+                        <a:rPr lang="en-US" altLang="zh-CN" dirty="0" smtClean="0"/>
+                        <a:t>RSSI</a:t>
+                      </a:r>
+                      <a:r>
+                        <a:rPr lang="zh-CN" altLang="en-US" dirty="0" smtClean="0"/>
+                        <a:t>支持</a:t>
+                      </a:r>
+                      <a:endParaRPr lang="zh-CN" altLang="en-US" dirty="0"/>
+                    </a:p>
+                  </a:txBody>
+                  <a:tcPr/>
+                </a:tc>
+                <a:tc>
+                  <a:txBody>
+                    <a:bodyPr/>
+                    <a:lstStyle/>
+                    <a:p>
+                      <a:r>
+                        <a:rPr lang="zh-CN" altLang="en-US" dirty="0" smtClean="0"/>
+                        <a:t>不支持</a:t>
+                      </a:r>
+                      <a:endParaRPr lang="zh-CN" altLang="en-US" dirty="0"/>
+                    </a:p>
+                  </a:txBody>
+                  <a:tcPr/>
+                </a:tc>
+                <a:tc>
+                  <a:txBody>
+                    <a:bodyPr/>
+                    <a:lstStyle/>
+                    <a:p>
+                      <a:r>
+                        <a:rPr lang="zh-CN" altLang="en-US" dirty="0" smtClean="0"/>
+                        <a:t>接收灵敏度</a:t>
+                      </a:r>
+                      <a:endParaRPr lang="zh-CN" altLang="en-US" dirty="0"/>
+                    </a:p>
+                  </a:txBody>
+                  <a:tcPr/>
+                </a:tc>
+                <a:tc>
+                  <a:txBody>
+                    <a:bodyPr/>
+                    <a:lstStyle/>
+                    <a:p>
+                      <a:r>
+                        <a:rPr lang="en-US" altLang="zh-CN" dirty="0" smtClean="0"/>
+                        <a:t>-85dBm@2Mbps</a:t>
+                      </a:r>
+                      <a:endParaRPr lang="zh-CN" altLang="en-US" dirty="0"/>
+                    </a:p>
+                  </a:txBody>
+                  <a:tcPr/>
+                </a:tc>
+              </a:tr>
+              <a:tr h="541251">
+                <a:tc>
+                  <a:txBody>
+                    <a:bodyPr/>
+                    <a:lstStyle/>
+                    <a:p>
+                      <a:r>
+                        <a:rPr lang="zh-CN" altLang="en-US" dirty="0" smtClean="0"/>
+                        <a:t>通信电平</a:t>
+                      </a:r>
+                      <a:endParaRPr lang="zh-CN" altLang="en-US" dirty="0"/>
+                    </a:p>
+                  </a:txBody>
+                  <a:tcPr/>
+                </a:tc>
+                <a:tc>
+                  <a:txBody>
+                    <a:bodyPr/>
+                    <a:lstStyle/>
+                    <a:p>
+                      <a:r>
+                        <a:rPr lang="en-US" altLang="zh-CN" dirty="0" smtClean="0"/>
+                        <a:t>3.3V</a:t>
+                      </a:r>
+                      <a:endParaRPr lang="zh-CN" altLang="en-US" dirty="0"/>
+                    </a:p>
+                  </a:txBody>
+                  <a:tcPr/>
+                </a:tc>
+                <a:tc>
+                  <a:txBody>
+                    <a:bodyPr/>
+                    <a:lstStyle/>
+                    <a:p>
+                      <a:r>
+                        <a:rPr lang="zh-CN" altLang="en-US" dirty="0" smtClean="0"/>
+                        <a:t>工作湿度</a:t>
+                      </a:r>
+                      <a:endParaRPr lang="zh-CN" altLang="en-US" dirty="0"/>
+                    </a:p>
+                  </a:txBody>
+                  <a:tcPr/>
+                </a:tc>
+                <a:tc>
+                  <a:txBody>
+                    <a:bodyPr/>
+                    <a:lstStyle/>
+                    <a:p>
+                      <a:r>
+                        <a:rPr lang="en-US" altLang="zh-CN" dirty="0" smtClean="0"/>
+                        <a:t>10% ~ 90%</a:t>
+                      </a:r>
+                      <a:endParaRPr lang="zh-CN" altLang="en-US" dirty="0"/>
+                    </a:p>
+                  </a:txBody>
+                  <a:tcPr/>
+                </a:tc>
+              </a:tr>
+              <a:tr h="541251">
+                <a:tc>
+                  <a:txBody>
+                    <a:bodyPr/>
+                    <a:lstStyle/>
+                    <a:p>
+                      <a:r>
+                        <a:rPr lang="zh-CN" altLang="en-US" dirty="0" smtClean="0"/>
+                        <a:t>发射功率</a:t>
+                      </a:r>
+                      <a:endParaRPr lang="zh-CN" altLang="en-US" dirty="0"/>
+                    </a:p>
+                  </a:txBody>
+                  <a:tcPr/>
+                </a:tc>
+                <a:tc>
+                  <a:txBody>
+                    <a:bodyPr/>
+                    <a:lstStyle/>
+                    <a:p>
+                      <a:r>
+                        <a:rPr lang="en-US" altLang="zh-CN" dirty="0" smtClean="0"/>
+                        <a:t>4dBm(</a:t>
+                      </a:r>
+                      <a:r>
+                        <a:rPr lang="zh-CN" altLang="en-US" dirty="0" smtClean="0"/>
+                        <a:t>最大</a:t>
+                      </a:r>
+                      <a:r>
+                        <a:rPr lang="en-US" altLang="zh-CN" dirty="0" smtClean="0"/>
+                        <a:t>)</a:t>
+                      </a:r>
+                      <a:endParaRPr lang="zh-CN" altLang="en-US" dirty="0"/>
+                    </a:p>
+                  </a:txBody>
+                  <a:tcPr/>
+                </a:tc>
+                <a:tc>
+                  <a:txBody>
+                    <a:bodyPr/>
+                    <a:lstStyle/>
+                    <a:p>
+                      <a:r>
+                        <a:rPr lang="zh-CN" altLang="en-US" dirty="0" smtClean="0"/>
+                        <a:t>存储温度</a:t>
+                      </a:r>
+                      <a:endParaRPr lang="zh-CN" altLang="en-US" dirty="0"/>
+                    </a:p>
+                  </a:txBody>
+                  <a:tcPr/>
+                </a:tc>
+                <a:tc>
+                  <a:txBody>
+                    <a:bodyPr/>
+                    <a:lstStyle/>
+                    <a:p>
+                      <a:r>
+                        <a:rPr lang="en-US" altLang="zh-CN" dirty="0" smtClean="0"/>
+                        <a:t>-40</a:t>
+                      </a:r>
+                      <a:r>
+                        <a:rPr lang="zh-CN" altLang="en-US" dirty="0" smtClean="0"/>
+                        <a:t>℃ </a:t>
+                      </a:r>
+                      <a:r>
+                        <a:rPr lang="en-US" altLang="zh-CN" dirty="0" smtClean="0"/>
+                        <a:t>~ +85</a:t>
+                      </a:r>
+                      <a:r>
+                        <a:rPr lang="zh-CN" altLang="en-US" dirty="0" smtClean="0"/>
+                        <a:t>℃</a:t>
+                      </a:r>
+                      <a:endParaRPr lang="zh-CN" altLang="en-US" dirty="0"/>
+                    </a:p>
+                  </a:txBody>
+                  <a:tcPr/>
+                </a:tc>
+              </a:tr>
+              <a:tr h="541251">
+                <a:tc>
+                  <a:txBody>
+                    <a:bodyPr/>
+                    <a:lstStyle/>
+                    <a:p>
+                      <a:r>
+                        <a:rPr lang="zh-CN" altLang="en-US" dirty="0" smtClean="0"/>
+                        <a:t>参考距离</a:t>
+                      </a:r>
+                      <a:endParaRPr lang="zh-CN" altLang="en-US" dirty="0"/>
+                    </a:p>
+                  </a:txBody>
+                  <a:tcPr/>
+                </a:tc>
+                <a:tc>
+                  <a:txBody>
+                    <a:bodyPr/>
+                    <a:lstStyle/>
+                    <a:p>
+                      <a:r>
+                        <a:rPr lang="en-US" altLang="zh-CN" dirty="0" smtClean="0"/>
+                        <a:t>10</a:t>
+                      </a:r>
+                      <a:r>
+                        <a:rPr lang="zh-CN" altLang="en-US" dirty="0" smtClean="0"/>
+                        <a:t>米</a:t>
+                      </a:r>
+                      <a:endParaRPr lang="zh-CN" altLang="en-US" dirty="0"/>
+                    </a:p>
+                  </a:txBody>
+                  <a:tcPr/>
+                </a:tc>
+                <a:tc>
+                  <a:txBody>
+                    <a:bodyPr/>
+                    <a:lstStyle/>
+                    <a:p>
+                      <a:r>
+                        <a:rPr lang="zh-CN" altLang="en-US" dirty="0" smtClean="0"/>
+                        <a:t>工作温度</a:t>
+                      </a:r>
+                      <a:endParaRPr lang="zh-CN" altLang="en-US" dirty="0"/>
+                    </a:p>
+                  </a:txBody>
+                  <a:tcPr/>
+                </a:tc>
+                <a:tc>
+                  <a:txBody>
+                    <a:bodyPr/>
+                    <a:lstStyle/>
+                    <a:p>
+                      <a:r>
+                        <a:rPr lang="en-US" altLang="zh-CN" dirty="0" smtClean="0"/>
+                        <a:t>-25</a:t>
+                      </a:r>
+                      <a:r>
+                        <a:rPr lang="zh-CN" altLang="en-US" dirty="0" smtClean="0"/>
+                        <a:t>℃ </a:t>
+                      </a:r>
+                      <a:r>
+                        <a:rPr lang="en-US" altLang="zh-CN" dirty="0" smtClean="0"/>
+                        <a:t>~ 75</a:t>
+                      </a:r>
+                      <a:r>
+                        <a:rPr lang="zh-CN" altLang="en-US" dirty="0" smtClean="0"/>
+                        <a:t>℃</a:t>
+                      </a:r>
+                      <a:endParaRPr lang="zh-CN" altLang="en-US" dirty="0"/>
+                    </a:p>
+                  </a:txBody>
+                  <a:tcPr/>
+                </a:tc>
+              </a:tr>
+            </a:tbl>
+          </a:graphicData>
+        </a:graphic>
+      </p:graphicFrame>
+    </p:spTree>
+    <p:extLst>
+      <p:ext uri="{BB962C8B-B14F-4D97-AF65-F5344CB8AC3E}">
+        <p14:creationId xmlns:p14="http://schemas.microsoft.com/office/powerpoint/2010/main" val="3858916294"/>
+      </p:ext>
+    </p:extLst>
+  </p:cSld>
+  <p:clrMapOvr>
+    <a:masterClrMapping/>
+  </p:clrMapOvr>
+  <p:timing>
+    <p:tnLst>
+      <p:par>
+        <p:cTn id="1" dur="indefinite" restart="never" nodeType="tmRoot"/>
+      </p:par>
+    </p:tnLst>
+  </p:timing>
+</p:sld>
+</file>
+
+<file path=ppt/slides/slide9.xml><?xml version="1.0" encoding="utf-8"?>
+<p:sld xmlns:a="http://schemas.openxmlformats.org/drawingml/2006/main" xmlns:r="http://schemas.openxmlformats.org/officeDocument/2006/relationships" xmlns:p="http://schemas.openxmlformats.org/presentationml/2006/main">
+  <p:cSld>
+    <p:spTree>
+      <p:nvGrpSpPr>
+        <p:cNvPr id="1" name=""/>
+        <p:cNvGrpSpPr/>
+        <p:nvPr/>
+      </p:nvGrpSpPr>
+      <p:grpSpPr>
+        <a:xfrm>
+          <a:off x="0" y="0"/>
+          <a:ext cx="0" cy="0"/>
+          <a:chOff x="0" y="0"/>
+          <a:chExt cx="0" cy="0"/>
+        </a:xfrm>
+      </p:grpSpPr>
+      <p:sp>
+        <p:nvSpPr>
+          <p:cNvPr id="4" name="文本框 3"/>
+          <p:cNvSpPr txBox="1"/>
+          <p:nvPr/>
+        </p:nvSpPr>
+        <p:spPr>
+          <a:xfrm>
+            <a:off x="4921134" y="133004"/>
+            <a:ext cx="2236510" cy="584775"/>
+          </a:xfrm>
+          <a:prstGeom prst="rect">
+            <a:avLst/>
+          </a:prstGeom>
+          <a:noFill/>
+        </p:spPr>
+        <p:txBody>
+          <a:bodyPr wrap="none" rtlCol="0">
+            <a:spAutoFit/>
+          </a:bodyPr>
+          <a:lstStyle/>
+          <a:p>
+            <a:r>
+              <a:rPr lang="zh-CN" altLang="en-US" sz="3200" dirty="0" smtClean="0"/>
+              <a:t>蓝牙适配器</a:t>
+            </a:r>
+            <a:endParaRPr lang="zh-CN" altLang="en-US" sz="3200" dirty="0"/>
+          </a:p>
+        </p:txBody>
+      </p:sp>
+      <p:pic>
+        <p:nvPicPr>
+          <p:cNvPr id="5" name="图片 4"/>
+          <p:cNvPicPr>
+            <a:picLocks noChangeAspect="1"/>
+          </p:cNvPicPr>
+          <p:nvPr/>
+        </p:nvPicPr>
+        <p:blipFill>
+          <a:blip r:embed="rId2">
+            <a:extLst>
+              <a:ext uri="{28A0092B-C50C-407E-A947-70E740481C1C}">
+                <a14:useLocalDpi xmlns:a14="http://schemas.microsoft.com/office/drawing/2010/main" val="0"/>
+              </a:ext>
+            </a:extLst>
+          </a:blip>
+          <a:stretch>
+            <a:fillRect/>
+          </a:stretch>
+        </p:blipFill>
+        <p:spPr>
+          <a:xfrm>
+            <a:off x="2972339" y="1242493"/>
+            <a:ext cx="6134100" cy="4772025"/>
+          </a:xfrm>
+          <a:prstGeom prst="rect">
+            <a:avLst/>
+          </a:prstGeom>
+        </p:spPr>
+      </p:pic>
+    </p:spTree>
+    <p:extLst>
+      <p:ext uri="{BB962C8B-B14F-4D97-AF65-F5344CB8AC3E}">
+        <p14:creationId xmlns:p14="http://schemas.microsoft.com/office/powerpoint/2010/main" val="2487389806"/>
+      </p:ext>
+    </p:extLst>
+  </p:cSld>
+  <p:clrMapOvr>
+    <a:masterClrMapping/>
+  </p:clrMapOvr>
+  <p:timing>
+    <p:tnLst>
+      <p:par>
+        <p:cTn id="1" dur="indefinite" restart="never" nodeType="tmRoot"/>
+      </p:par>
+    </p:tnLst>
+  </p:timing>
 </p:sld>
 </file>
 

--- a/设备.pptx
+++ b/设备.pptx
@@ -256,7 +256,7 @@
           <a:p>
             <a:fld id="{2FB980F9-D67C-45AE-A1F9-5B34263096C7}" type="datetimeFigureOut">
               <a:rPr lang="zh-CN" altLang="en-US" smtClean="0"/>
-              <a:t>2017/5/24</a:t>
+              <a:t>2017/5/25</a:t>
             </a:fld>
             <a:endParaRPr lang="zh-CN" altLang="en-US"/>
           </a:p>
@@ -426,7 +426,7 @@
           <a:p>
             <a:fld id="{2FB980F9-D67C-45AE-A1F9-5B34263096C7}" type="datetimeFigureOut">
               <a:rPr lang="zh-CN" altLang="en-US" smtClean="0"/>
-              <a:t>2017/5/24</a:t>
+              <a:t>2017/5/25</a:t>
             </a:fld>
             <a:endParaRPr lang="zh-CN" altLang="en-US"/>
           </a:p>
@@ -606,7 +606,7 @@
           <a:p>
             <a:fld id="{2FB980F9-D67C-45AE-A1F9-5B34263096C7}" type="datetimeFigureOut">
               <a:rPr lang="zh-CN" altLang="en-US" smtClean="0"/>
-              <a:t>2017/5/24</a:t>
+              <a:t>2017/5/25</a:t>
             </a:fld>
             <a:endParaRPr lang="zh-CN" altLang="en-US"/>
           </a:p>
@@ -776,7 +776,7 @@
           <a:p>
             <a:fld id="{2FB980F9-D67C-45AE-A1F9-5B34263096C7}" type="datetimeFigureOut">
               <a:rPr lang="zh-CN" altLang="en-US" smtClean="0"/>
-              <a:t>2017/5/24</a:t>
+              <a:t>2017/5/25</a:t>
             </a:fld>
             <a:endParaRPr lang="zh-CN" altLang="en-US"/>
           </a:p>
@@ -1022,7 +1022,7 @@
           <a:p>
             <a:fld id="{2FB980F9-D67C-45AE-A1F9-5B34263096C7}" type="datetimeFigureOut">
               <a:rPr lang="zh-CN" altLang="en-US" smtClean="0"/>
-              <a:t>2017/5/24</a:t>
+              <a:t>2017/5/25</a:t>
             </a:fld>
             <a:endParaRPr lang="zh-CN" altLang="en-US"/>
           </a:p>
@@ -1254,7 +1254,7 @@
           <a:p>
             <a:fld id="{2FB980F9-D67C-45AE-A1F9-5B34263096C7}" type="datetimeFigureOut">
               <a:rPr lang="zh-CN" altLang="en-US" smtClean="0"/>
-              <a:t>2017/5/24</a:t>
+              <a:t>2017/5/25</a:t>
             </a:fld>
             <a:endParaRPr lang="zh-CN" altLang="en-US"/>
           </a:p>
@@ -1621,7 +1621,7 @@
           <a:p>
             <a:fld id="{2FB980F9-D67C-45AE-A1F9-5B34263096C7}" type="datetimeFigureOut">
               <a:rPr lang="zh-CN" altLang="en-US" smtClean="0"/>
-              <a:t>2017/5/24</a:t>
+              <a:t>2017/5/25</a:t>
             </a:fld>
             <a:endParaRPr lang="zh-CN" altLang="en-US"/>
           </a:p>
@@ -1739,7 +1739,7 @@
           <a:p>
             <a:fld id="{2FB980F9-D67C-45AE-A1F9-5B34263096C7}" type="datetimeFigureOut">
               <a:rPr lang="zh-CN" altLang="en-US" smtClean="0"/>
-              <a:t>2017/5/24</a:t>
+              <a:t>2017/5/25</a:t>
             </a:fld>
             <a:endParaRPr lang="zh-CN" altLang="en-US"/>
           </a:p>
@@ -1834,7 +1834,7 @@
           <a:p>
             <a:fld id="{2FB980F9-D67C-45AE-A1F9-5B34263096C7}" type="datetimeFigureOut">
               <a:rPr lang="zh-CN" altLang="en-US" smtClean="0"/>
-              <a:t>2017/5/24</a:t>
+              <a:t>2017/5/25</a:t>
             </a:fld>
             <a:endParaRPr lang="zh-CN" altLang="en-US"/>
           </a:p>
@@ -2111,7 +2111,7 @@
           <a:p>
             <a:fld id="{2FB980F9-D67C-45AE-A1F9-5B34263096C7}" type="datetimeFigureOut">
               <a:rPr lang="zh-CN" altLang="en-US" smtClean="0"/>
-              <a:t>2017/5/24</a:t>
+              <a:t>2017/5/25</a:t>
             </a:fld>
             <a:endParaRPr lang="zh-CN" altLang="en-US"/>
           </a:p>
@@ -2364,7 +2364,7 @@
           <a:p>
             <a:fld id="{2FB980F9-D67C-45AE-A1F9-5B34263096C7}" type="datetimeFigureOut">
               <a:rPr lang="zh-CN" altLang="en-US" smtClean="0"/>
-              <a:t>2017/5/24</a:t>
+              <a:t>2017/5/25</a:t>
             </a:fld>
             <a:endParaRPr lang="zh-CN" altLang="en-US"/>
           </a:p>
@@ -2577,7 +2577,7 @@
           <a:p>
             <a:fld id="{2FB980F9-D67C-45AE-A1F9-5B34263096C7}" type="datetimeFigureOut">
               <a:rPr lang="zh-CN" altLang="en-US" smtClean="0"/>
-              <a:t>2017/5/24</a:t>
+              <a:t>2017/5/25</a:t>
             </a:fld>
             <a:endParaRPr lang="zh-CN" altLang="en-US"/>
           </a:p>
@@ -5311,8 +5311,8 @@
         </p:blipFill>
         <p:spPr>
           <a:xfrm>
-            <a:off x="4624578" y="785943"/>
-            <a:ext cx="7219950" cy="5657850"/>
+            <a:off x="5583045" y="1532665"/>
+            <a:ext cx="5521957" cy="4327233"/>
           </a:xfrm>
           <a:prstGeom prst="rect">
             <a:avLst/>
@@ -5343,7 +5343,15 @@
           <a:p>
             <a:r>
               <a:rPr lang="zh-CN" altLang="en-US" sz="3200" dirty="0" smtClean="0"/>
-              <a:t>姿态感应器</a:t>
+              <a:t>姿态</a:t>
+            </a:r>
+            <a:r>
+              <a:rPr lang="zh-CN" altLang="en-US" sz="3200" dirty="0"/>
+              <a:t>传感</a:t>
+            </a:r>
+            <a:r>
+              <a:rPr lang="zh-CN" altLang="en-US" sz="3200" dirty="0" smtClean="0"/>
+              <a:t>器</a:t>
             </a:r>
             <a:endParaRPr lang="zh-CN" altLang="en-US" sz="3200" dirty="0"/>
           </a:p>
@@ -5371,8 +5379,8 @@
         </p:blipFill>
         <p:spPr>
           <a:xfrm>
-            <a:off x="0" y="1792224"/>
-            <a:ext cx="5363523" cy="2651402"/>
+            <a:off x="958468" y="1831888"/>
+            <a:ext cx="4102126" cy="2027843"/>
           </a:xfrm>
           <a:prstGeom prst="rect">
             <a:avLst/>
